--- a/2.Using_Essential_Tools/02-UsingEssentialTools.pptx
+++ b/2.Using_Essential_Tools/02-UsingEssentialTools.pptx
@@ -4,6 +4,9 @@
   <p:sldMasterIdLst>
     <p:sldMasterId id="2147483648" r:id="rId1"/>
   </p:sldMasterIdLst>
+  <p:notesMasterIdLst>
+    <p:notesMasterId r:id="rId11"/>
+  </p:notesMasterIdLst>
   <p:sldIdLst>
     <p:sldId id="256" r:id="rId2"/>
     <p:sldId id="266" r:id="rId3"/>
@@ -131,6 +134,440 @@
 </p:presentation>
 </file>
 
+<file path=ppt/notesMasters/notesMaster1.xml><?xml version="1.0" encoding="utf-8"?>
+<p:notesMaster xmlns:a="http://schemas.openxmlformats.org/drawingml/2006/main" xmlns:r="http://schemas.openxmlformats.org/officeDocument/2006/relationships" xmlns:p="http://schemas.openxmlformats.org/presentationml/2006/main">
+  <p:cSld>
+    <p:bg>
+      <p:bgRef idx="1001">
+        <a:schemeClr val="bg1"/>
+      </p:bgRef>
+    </p:bg>
+    <p:spTree>
+      <p:nvGrpSpPr>
+        <p:cNvPr id="1" name=""/>
+        <p:cNvGrpSpPr/>
+        <p:nvPr/>
+      </p:nvGrpSpPr>
+      <p:grpSpPr>
+        <a:xfrm>
+          <a:off x="0" y="0"/>
+          <a:ext cx="0" cy="0"/>
+          <a:chOff x="0" y="0"/>
+          <a:chExt cx="0" cy="0"/>
+        </a:xfrm>
+      </p:grpSpPr>
+      <p:sp>
+        <p:nvSpPr>
+          <p:cNvPr id="2" name="Header Placeholder 1"/>
+          <p:cNvSpPr>
+            <a:spLocks noGrp="1"/>
+          </p:cNvSpPr>
+          <p:nvPr>
+            <p:ph type="hdr" sz="quarter"/>
+          </p:nvPr>
+        </p:nvSpPr>
+        <p:spPr>
+          <a:xfrm>
+            <a:off x="0" y="0"/>
+            <a:ext cx="2971800" cy="458788"/>
+          </a:xfrm>
+          <a:prstGeom prst="rect">
+            <a:avLst/>
+          </a:prstGeom>
+        </p:spPr>
+        <p:txBody>
+          <a:bodyPr vert="horz" lIns="91440" tIns="45720" rIns="91440" bIns="45720" rtlCol="0"/>
+          <a:lstStyle>
+            <a:lvl1pPr algn="l">
+              <a:defRPr sz="1200"/>
+            </a:lvl1pPr>
+          </a:lstStyle>
+          <a:p>
+            <a:endParaRPr lang="en-US"/>
+          </a:p>
+        </p:txBody>
+      </p:sp>
+      <p:sp>
+        <p:nvSpPr>
+          <p:cNvPr id="3" name="Date Placeholder 2"/>
+          <p:cNvSpPr>
+            <a:spLocks noGrp="1"/>
+          </p:cNvSpPr>
+          <p:nvPr>
+            <p:ph type="dt" idx="1"/>
+          </p:nvPr>
+        </p:nvSpPr>
+        <p:spPr>
+          <a:xfrm>
+            <a:off x="3884613" y="0"/>
+            <a:ext cx="2971800" cy="458788"/>
+          </a:xfrm>
+          <a:prstGeom prst="rect">
+            <a:avLst/>
+          </a:prstGeom>
+        </p:spPr>
+        <p:txBody>
+          <a:bodyPr vert="horz" lIns="91440" tIns="45720" rIns="91440" bIns="45720" rtlCol="0"/>
+          <a:lstStyle>
+            <a:lvl1pPr algn="r">
+              <a:defRPr sz="1200"/>
+            </a:lvl1pPr>
+          </a:lstStyle>
+          <a:p>
+            <a:fld id="{BF75ECE4-E962-F444-AA45-989C755D0155}" type="datetimeFigureOut">
+              <a:rPr lang="en-US" smtClean="0"/>
+              <a:t>3/20/17</a:t>
+            </a:fld>
+            <a:endParaRPr lang="en-US"/>
+          </a:p>
+        </p:txBody>
+      </p:sp>
+      <p:sp>
+        <p:nvSpPr>
+          <p:cNvPr id="4" name="Slide Image Placeholder 3"/>
+          <p:cNvSpPr>
+            <a:spLocks noGrp="1" noRot="1" noChangeAspect="1"/>
+          </p:cNvSpPr>
+          <p:nvPr>
+            <p:ph type="sldImg" idx="2"/>
+          </p:nvPr>
+        </p:nvSpPr>
+        <p:spPr>
+          <a:xfrm>
+            <a:off x="1371600" y="1143000"/>
+            <a:ext cx="4114800" cy="3086100"/>
+          </a:xfrm>
+          <a:prstGeom prst="rect">
+            <a:avLst/>
+          </a:prstGeom>
+          <a:noFill/>
+          <a:ln w="12700">
+            <a:solidFill>
+              <a:prstClr val="black"/>
+            </a:solidFill>
+          </a:ln>
+        </p:spPr>
+        <p:txBody>
+          <a:bodyPr vert="horz" lIns="91440" tIns="45720" rIns="91440" bIns="45720" rtlCol="0" anchor="ctr"/>
+          <a:lstStyle/>
+          <a:p>
+            <a:endParaRPr lang="en-US"/>
+          </a:p>
+        </p:txBody>
+      </p:sp>
+      <p:sp>
+        <p:nvSpPr>
+          <p:cNvPr id="5" name="Notes Placeholder 4"/>
+          <p:cNvSpPr>
+            <a:spLocks noGrp="1"/>
+          </p:cNvSpPr>
+          <p:nvPr>
+            <p:ph type="body" sz="quarter" idx="3"/>
+          </p:nvPr>
+        </p:nvSpPr>
+        <p:spPr>
+          <a:xfrm>
+            <a:off x="685800" y="4400550"/>
+            <a:ext cx="5486400" cy="3600450"/>
+          </a:xfrm>
+          <a:prstGeom prst="rect">
+            <a:avLst/>
+          </a:prstGeom>
+        </p:spPr>
+        <p:txBody>
+          <a:bodyPr vert="horz" lIns="91440" tIns="45720" rIns="91440" bIns="45720" rtlCol="0"/>
+          <a:lstStyle/>
+          <a:p>
+            <a:pPr lvl="0"/>
+            <a:r>
+              <a:rPr lang="en-US" smtClean="0"/>
+              <a:t>Click to edit Master text styles</a:t>
+            </a:r>
+          </a:p>
+          <a:p>
+            <a:pPr lvl="1"/>
+            <a:r>
+              <a:rPr lang="en-US" smtClean="0"/>
+              <a:t>Second level</a:t>
+            </a:r>
+          </a:p>
+          <a:p>
+            <a:pPr lvl="2"/>
+            <a:r>
+              <a:rPr lang="en-US" smtClean="0"/>
+              <a:t>Third level</a:t>
+            </a:r>
+          </a:p>
+          <a:p>
+            <a:pPr lvl="3"/>
+            <a:r>
+              <a:rPr lang="en-US" smtClean="0"/>
+              <a:t>Fourth level</a:t>
+            </a:r>
+          </a:p>
+          <a:p>
+            <a:pPr lvl="4"/>
+            <a:r>
+              <a:rPr lang="en-US" smtClean="0"/>
+              <a:t>Fifth level</a:t>
+            </a:r>
+            <a:endParaRPr lang="en-US"/>
+          </a:p>
+        </p:txBody>
+      </p:sp>
+      <p:sp>
+        <p:nvSpPr>
+          <p:cNvPr id="6" name="Footer Placeholder 5"/>
+          <p:cNvSpPr>
+            <a:spLocks noGrp="1"/>
+          </p:cNvSpPr>
+          <p:nvPr>
+            <p:ph type="ftr" sz="quarter" idx="4"/>
+          </p:nvPr>
+        </p:nvSpPr>
+        <p:spPr>
+          <a:xfrm>
+            <a:off x="0" y="8685213"/>
+            <a:ext cx="2971800" cy="458787"/>
+          </a:xfrm>
+          <a:prstGeom prst="rect">
+            <a:avLst/>
+          </a:prstGeom>
+        </p:spPr>
+        <p:txBody>
+          <a:bodyPr vert="horz" lIns="91440" tIns="45720" rIns="91440" bIns="45720" rtlCol="0" anchor="b"/>
+          <a:lstStyle>
+            <a:lvl1pPr algn="l">
+              <a:defRPr sz="1200"/>
+            </a:lvl1pPr>
+          </a:lstStyle>
+          <a:p>
+            <a:endParaRPr lang="en-US"/>
+          </a:p>
+        </p:txBody>
+      </p:sp>
+      <p:sp>
+        <p:nvSpPr>
+          <p:cNvPr id="7" name="Slide Number Placeholder 6"/>
+          <p:cNvSpPr>
+            <a:spLocks noGrp="1"/>
+          </p:cNvSpPr>
+          <p:nvPr>
+            <p:ph type="sldNum" sz="quarter" idx="5"/>
+          </p:nvPr>
+        </p:nvSpPr>
+        <p:spPr>
+          <a:xfrm>
+            <a:off x="3884613" y="8685213"/>
+            <a:ext cx="2971800" cy="458787"/>
+          </a:xfrm>
+          <a:prstGeom prst="rect">
+            <a:avLst/>
+          </a:prstGeom>
+        </p:spPr>
+        <p:txBody>
+          <a:bodyPr vert="horz" lIns="91440" tIns="45720" rIns="91440" bIns="45720" rtlCol="0" anchor="b"/>
+          <a:lstStyle>
+            <a:lvl1pPr algn="r">
+              <a:defRPr sz="1200"/>
+            </a:lvl1pPr>
+          </a:lstStyle>
+          <a:p>
+            <a:fld id="{414F1A81-C01C-5B40-B5DB-FD37CBBF69A9}" type="slidenum">
+              <a:rPr lang="en-US" smtClean="0"/>
+              <a:t>‹#›</a:t>
+            </a:fld>
+            <a:endParaRPr lang="en-US"/>
+          </a:p>
+        </p:txBody>
+      </p:sp>
+    </p:spTree>
+    <p:extLst>
+      <p:ext uri="{BB962C8B-B14F-4D97-AF65-F5344CB8AC3E}">
+        <p14:creationId xmlns:p14="http://schemas.microsoft.com/office/powerpoint/2010/main" val="1670769371"/>
+      </p:ext>
+    </p:extLst>
+  </p:cSld>
+  <p:clrMap bg1="lt1" tx1="dk1" bg2="lt2" tx2="dk2" accent1="accent1" accent2="accent2" accent3="accent3" accent4="accent4" accent5="accent5" accent6="accent6" hlink="hlink" folHlink="folHlink"/>
+  <p:notesStyle>
+    <a:lvl1pPr marL="0" algn="l" defTabSz="914400" rtl="0" eaLnBrk="1" latinLnBrk="0" hangingPunct="1">
+      <a:defRPr sz="1200" kern="1200">
+        <a:solidFill>
+          <a:schemeClr val="tx1"/>
+        </a:solidFill>
+        <a:latin typeface="+mn-lt"/>
+        <a:ea typeface="+mn-ea"/>
+        <a:cs typeface="+mn-cs"/>
+      </a:defRPr>
+    </a:lvl1pPr>
+    <a:lvl2pPr marL="457200" algn="l" defTabSz="914400" rtl="0" eaLnBrk="1" latinLnBrk="0" hangingPunct="1">
+      <a:defRPr sz="1200" kern="1200">
+        <a:solidFill>
+          <a:schemeClr val="tx1"/>
+        </a:solidFill>
+        <a:latin typeface="+mn-lt"/>
+        <a:ea typeface="+mn-ea"/>
+        <a:cs typeface="+mn-cs"/>
+      </a:defRPr>
+    </a:lvl2pPr>
+    <a:lvl3pPr marL="914400" algn="l" defTabSz="914400" rtl="0" eaLnBrk="1" latinLnBrk="0" hangingPunct="1">
+      <a:defRPr sz="1200" kern="1200">
+        <a:solidFill>
+          <a:schemeClr val="tx1"/>
+        </a:solidFill>
+        <a:latin typeface="+mn-lt"/>
+        <a:ea typeface="+mn-ea"/>
+        <a:cs typeface="+mn-cs"/>
+      </a:defRPr>
+    </a:lvl3pPr>
+    <a:lvl4pPr marL="1371600" algn="l" defTabSz="914400" rtl="0" eaLnBrk="1" latinLnBrk="0" hangingPunct="1">
+      <a:defRPr sz="1200" kern="1200">
+        <a:solidFill>
+          <a:schemeClr val="tx1"/>
+        </a:solidFill>
+        <a:latin typeface="+mn-lt"/>
+        <a:ea typeface="+mn-ea"/>
+        <a:cs typeface="+mn-cs"/>
+      </a:defRPr>
+    </a:lvl4pPr>
+    <a:lvl5pPr marL="1828800" algn="l" defTabSz="914400" rtl="0" eaLnBrk="1" latinLnBrk="0" hangingPunct="1">
+      <a:defRPr sz="1200" kern="1200">
+        <a:solidFill>
+          <a:schemeClr val="tx1"/>
+        </a:solidFill>
+        <a:latin typeface="+mn-lt"/>
+        <a:ea typeface="+mn-ea"/>
+        <a:cs typeface="+mn-cs"/>
+      </a:defRPr>
+    </a:lvl5pPr>
+    <a:lvl6pPr marL="2286000" algn="l" defTabSz="914400" rtl="0" eaLnBrk="1" latinLnBrk="0" hangingPunct="1">
+      <a:defRPr sz="1200" kern="1200">
+        <a:solidFill>
+          <a:schemeClr val="tx1"/>
+        </a:solidFill>
+        <a:latin typeface="+mn-lt"/>
+        <a:ea typeface="+mn-ea"/>
+        <a:cs typeface="+mn-cs"/>
+      </a:defRPr>
+    </a:lvl6pPr>
+    <a:lvl7pPr marL="2743200" algn="l" defTabSz="914400" rtl="0" eaLnBrk="1" latinLnBrk="0" hangingPunct="1">
+      <a:defRPr sz="1200" kern="1200">
+        <a:solidFill>
+          <a:schemeClr val="tx1"/>
+        </a:solidFill>
+        <a:latin typeface="+mn-lt"/>
+        <a:ea typeface="+mn-ea"/>
+        <a:cs typeface="+mn-cs"/>
+      </a:defRPr>
+    </a:lvl7pPr>
+    <a:lvl8pPr marL="3200400" algn="l" defTabSz="914400" rtl="0" eaLnBrk="1" latinLnBrk="0" hangingPunct="1">
+      <a:defRPr sz="1200" kern="1200">
+        <a:solidFill>
+          <a:schemeClr val="tx1"/>
+        </a:solidFill>
+        <a:latin typeface="+mn-lt"/>
+        <a:ea typeface="+mn-ea"/>
+        <a:cs typeface="+mn-cs"/>
+      </a:defRPr>
+    </a:lvl8pPr>
+    <a:lvl9pPr marL="3657600" algn="l" defTabSz="914400" rtl="0" eaLnBrk="1" latinLnBrk="0" hangingPunct="1">
+      <a:defRPr sz="1200" kern="1200">
+        <a:solidFill>
+          <a:schemeClr val="tx1"/>
+        </a:solidFill>
+        <a:latin typeface="+mn-lt"/>
+        <a:ea typeface="+mn-ea"/>
+        <a:cs typeface="+mn-cs"/>
+      </a:defRPr>
+    </a:lvl9pPr>
+  </p:notesStyle>
+</p:notesMaster>
+</file>
+
+<file path=ppt/notesSlides/notesSlide1.xml><?xml version="1.0" encoding="utf-8"?>
+<p:notes xmlns:a="http://schemas.openxmlformats.org/drawingml/2006/main" xmlns:r="http://schemas.openxmlformats.org/officeDocument/2006/relationships" xmlns:p="http://schemas.openxmlformats.org/presentationml/2006/main">
+  <p:cSld>
+    <p:spTree>
+      <p:nvGrpSpPr>
+        <p:cNvPr id="1" name=""/>
+        <p:cNvGrpSpPr/>
+        <p:nvPr/>
+      </p:nvGrpSpPr>
+      <p:grpSpPr>
+        <a:xfrm>
+          <a:off x="0" y="0"/>
+          <a:ext cx="0" cy="0"/>
+          <a:chOff x="0" y="0"/>
+          <a:chExt cx="0" cy="0"/>
+        </a:xfrm>
+      </p:grpSpPr>
+      <p:sp>
+        <p:nvSpPr>
+          <p:cNvPr id="2" name="Slide Image Placeholder 1"/>
+          <p:cNvSpPr>
+            <a:spLocks noGrp="1" noRot="1" noChangeAspect="1"/>
+          </p:cNvSpPr>
+          <p:nvPr>
+            <p:ph type="sldImg"/>
+          </p:nvPr>
+        </p:nvSpPr>
+        <p:spPr/>
+      </p:sp>
+      <p:sp>
+        <p:nvSpPr>
+          <p:cNvPr id="3" name="Notes Placeholder 2"/>
+          <p:cNvSpPr>
+            <a:spLocks noGrp="1"/>
+          </p:cNvSpPr>
+          <p:nvPr>
+            <p:ph type="body" idx="1"/>
+          </p:nvPr>
+        </p:nvSpPr>
+        <p:spPr/>
+        <p:txBody>
+          <a:bodyPr/>
+          <a:lstStyle/>
+          <a:p>
+            <a:endParaRPr lang="en-US" dirty="0"/>
+          </a:p>
+        </p:txBody>
+      </p:sp>
+      <p:sp>
+        <p:nvSpPr>
+          <p:cNvPr id="4" name="Slide Number Placeholder 3"/>
+          <p:cNvSpPr>
+            <a:spLocks noGrp="1"/>
+          </p:cNvSpPr>
+          <p:nvPr>
+            <p:ph type="sldNum" sz="quarter" idx="10"/>
+          </p:nvPr>
+        </p:nvSpPr>
+        <p:spPr/>
+        <p:txBody>
+          <a:bodyPr/>
+          <a:lstStyle/>
+          <a:p>
+            <a:fld id="{414F1A81-C01C-5B40-B5DB-FD37CBBF69A9}" type="slidenum">
+              <a:rPr lang="en-US" smtClean="0"/>
+              <a:t>4</a:t>
+            </a:fld>
+            <a:endParaRPr lang="en-US"/>
+          </a:p>
+        </p:txBody>
+      </p:sp>
+    </p:spTree>
+    <p:extLst>
+      <p:ext uri="{BB962C8B-B14F-4D97-AF65-F5344CB8AC3E}">
+        <p14:creationId xmlns:p14="http://schemas.microsoft.com/office/powerpoint/2010/main" val="124650225"/>
+      </p:ext>
+    </p:extLst>
+  </p:cSld>
+  <p:clrMapOvr>
+    <a:masterClrMapping/>
+  </p:clrMapOvr>
+</p:notes>
+</file>
+
 <file path=ppt/slideLayouts/slideLayout1.xml><?xml version="1.0" encoding="utf-8"?>
 <p:sldLayout xmlns:a="http://schemas.openxmlformats.org/drawingml/2006/main" xmlns:r="http://schemas.openxmlformats.org/officeDocument/2006/relationships" xmlns:p="http://schemas.openxmlformats.org/presentationml/2006/main" type="title" preserve="1">
   <p:cSld name="Title Slide">
@@ -312,7 +749,7 @@
           <a:p>
             <a:fld id="{3EA744D9-3FBE-48D8-BF2A-85DF203E4D20}" type="datetimeFigureOut">
               <a:rPr lang="bg-BG" smtClean="0"/>
-              <a:t>6.12.2016 г.</a:t>
+              <a:t>20.03.17 г.</a:t>
             </a:fld>
             <a:endParaRPr lang="bg-BG"/>
           </a:p>
@@ -482,7 +919,7 @@
           <a:p>
             <a:fld id="{3EA744D9-3FBE-48D8-BF2A-85DF203E4D20}" type="datetimeFigureOut">
               <a:rPr lang="bg-BG" smtClean="0"/>
-              <a:t>6.12.2016 г.</a:t>
+              <a:t>20.03.17 г.</a:t>
             </a:fld>
             <a:endParaRPr lang="bg-BG"/>
           </a:p>
@@ -662,7 +1099,7 @@
           <a:p>
             <a:fld id="{3EA744D9-3FBE-48D8-BF2A-85DF203E4D20}" type="datetimeFigureOut">
               <a:rPr lang="bg-BG" smtClean="0"/>
-              <a:t>6.12.2016 г.</a:t>
+              <a:t>20.03.17 г.</a:t>
             </a:fld>
             <a:endParaRPr lang="bg-BG"/>
           </a:p>
@@ -832,7 +1269,7 @@
           <a:p>
             <a:fld id="{3EA744D9-3FBE-48D8-BF2A-85DF203E4D20}" type="datetimeFigureOut">
               <a:rPr lang="bg-BG" smtClean="0"/>
-              <a:t>6.12.2016 г.</a:t>
+              <a:t>20.03.17 г.</a:t>
             </a:fld>
             <a:endParaRPr lang="bg-BG"/>
           </a:p>
@@ -1078,7 +1515,7 @@
           <a:p>
             <a:fld id="{3EA744D9-3FBE-48D8-BF2A-85DF203E4D20}" type="datetimeFigureOut">
               <a:rPr lang="bg-BG" smtClean="0"/>
-              <a:t>6.12.2016 г.</a:t>
+              <a:t>20.03.17 г.</a:t>
             </a:fld>
             <a:endParaRPr lang="bg-BG"/>
           </a:p>
@@ -1366,7 +1803,7 @@
           <a:p>
             <a:fld id="{3EA744D9-3FBE-48D8-BF2A-85DF203E4D20}" type="datetimeFigureOut">
               <a:rPr lang="bg-BG" smtClean="0"/>
-              <a:t>6.12.2016 г.</a:t>
+              <a:t>20.03.17 г.</a:t>
             </a:fld>
             <a:endParaRPr lang="bg-BG"/>
           </a:p>
@@ -1788,7 +2225,7 @@
           <a:p>
             <a:fld id="{3EA744D9-3FBE-48D8-BF2A-85DF203E4D20}" type="datetimeFigureOut">
               <a:rPr lang="bg-BG" smtClean="0"/>
-              <a:t>6.12.2016 г.</a:t>
+              <a:t>20.03.17 г.</a:t>
             </a:fld>
             <a:endParaRPr lang="bg-BG"/>
           </a:p>
@@ -1906,7 +2343,7 @@
           <a:p>
             <a:fld id="{3EA744D9-3FBE-48D8-BF2A-85DF203E4D20}" type="datetimeFigureOut">
               <a:rPr lang="bg-BG" smtClean="0"/>
-              <a:t>6.12.2016 г.</a:t>
+              <a:t>20.03.17 г.</a:t>
             </a:fld>
             <a:endParaRPr lang="bg-BG"/>
           </a:p>
@@ -2001,7 +2438,7 @@
           <a:p>
             <a:fld id="{3EA744D9-3FBE-48D8-BF2A-85DF203E4D20}" type="datetimeFigureOut">
               <a:rPr lang="bg-BG" smtClean="0"/>
-              <a:t>6.12.2016 г.</a:t>
+              <a:t>20.03.17 г.</a:t>
             </a:fld>
             <a:endParaRPr lang="bg-BG"/>
           </a:p>
@@ -2278,7 +2715,7 @@
           <a:p>
             <a:fld id="{3EA744D9-3FBE-48D8-BF2A-85DF203E4D20}" type="datetimeFigureOut">
               <a:rPr lang="bg-BG" smtClean="0"/>
-              <a:t>6.12.2016 г.</a:t>
+              <a:t>20.03.17 г.</a:t>
             </a:fld>
             <a:endParaRPr lang="bg-BG"/>
           </a:p>
@@ -2531,7 +2968,7 @@
           <a:p>
             <a:fld id="{3EA744D9-3FBE-48D8-BF2A-85DF203E4D20}" type="datetimeFigureOut">
               <a:rPr lang="bg-BG" smtClean="0"/>
-              <a:t>6.12.2016 г.</a:t>
+              <a:t>20.03.17 г.</a:t>
             </a:fld>
             <a:endParaRPr lang="bg-BG"/>
           </a:p>
@@ -2753,7 +3190,7 @@
           <a:p>
             <a:fld id="{3EA744D9-3FBE-48D8-BF2A-85DF203E4D20}" type="datetimeFigureOut">
               <a:rPr lang="bg-BG" smtClean="0"/>
-              <a:t>6.12.2016 г.</a:t>
+              <a:t>20.03.17 г.</a:t>
             </a:fld>
             <a:endParaRPr lang="bg-BG"/>
           </a:p>
@@ -3211,12 +3648,20 @@
                   <a:schemeClr val="accent6"/>
                 </a:solidFill>
               </a:rPr>
-              <a:t>Usually each user aliases are stored in ~/.</a:t>
+              <a:t>Usually each user aliases are stored in </a:t>
+            </a:r>
+            <a:r>
+              <a:rPr lang="en-US" dirty="0" smtClean="0">
+                <a:solidFill>
+                  <a:schemeClr val="bg1"/>
+                </a:solidFill>
+              </a:rPr>
+              <a:t>~/.</a:t>
             </a:r>
             <a:r>
               <a:rPr lang="en-US" dirty="0" err="1" smtClean="0">
                 <a:solidFill>
-                  <a:schemeClr val="accent6"/>
+                  <a:schemeClr val="bg1"/>
                 </a:solidFill>
               </a:rPr>
               <a:t>bashrc</a:t>
@@ -3242,11 +3687,19 @@
                   <a:schemeClr val="accent6"/>
                 </a:solidFill>
               </a:rPr>
-              <a:t>Example: alias v=“vim”</a:t>
+              <a:t>Example: </a:t>
+            </a:r>
+            <a:r>
+              <a:rPr lang="en-US" dirty="0" smtClean="0">
+                <a:solidFill>
+                  <a:schemeClr val="bg1"/>
+                </a:solidFill>
+              </a:rPr>
+              <a:t>alias v=“vim”</a:t>
             </a:r>
             <a:endParaRPr lang="bg-BG" dirty="0">
               <a:solidFill>
-                <a:schemeClr val="accent6"/>
+                <a:schemeClr val="bg1"/>
               </a:solidFill>
             </a:endParaRPr>
           </a:p>
@@ -3260,8 +3713,8 @@
         </p:nvSpPr>
         <p:spPr>
           <a:xfrm>
-            <a:off x="3124200" y="838200"/>
-            <a:ext cx="6705600" cy="1200329"/>
+            <a:off x="990600" y="838200"/>
+            <a:ext cx="8229600" cy="646331"/>
           </a:xfrm>
           <a:prstGeom prst="rect">
             <a:avLst/>
@@ -3374,13 +3827,13 @@
         </p:nvSpPr>
         <p:spPr>
           <a:xfrm>
-            <a:off x="457200" y="1417638"/>
+            <a:off x="228600" y="1417638"/>
             <a:ext cx="8229600" cy="3154363"/>
           </a:xfrm>
         </p:spPr>
         <p:txBody>
           <a:bodyPr>
-            <a:normAutofit fontScale="62500" lnSpcReduction="20000"/>
+            <a:normAutofit fontScale="55000" lnSpcReduction="20000"/>
           </a:bodyPr>
           <a:lstStyle/>
           <a:p>
@@ -3398,17 +3851,65 @@
                   <a:schemeClr val="accent6"/>
                 </a:solidFill>
               </a:rPr>
-              <a:t>nternal command =&gt; part of the shell, example ‘cd’.</a:t>
-            </a:r>
-          </a:p>
-          <a:p>
-            <a:r>
-              <a:rPr lang="en-US" dirty="0" smtClean="0">
-                <a:solidFill>
-                  <a:schemeClr val="accent6"/>
-                </a:solidFill>
-              </a:rPr>
-              <a:t> External command =&gt; command that exist as an executable file, example ‘python’. To look up external commands the $PATH environment variable is used.</a:t>
+              <a:t>nternal command =&gt; part of the shell, example ‘</a:t>
+            </a:r>
+            <a:r>
+              <a:rPr lang="en-US" dirty="0" smtClean="0">
+                <a:solidFill>
+                  <a:schemeClr val="bg1"/>
+                </a:solidFill>
+              </a:rPr>
+              <a:t>cd</a:t>
+            </a:r>
+            <a:r>
+              <a:rPr lang="en-US" dirty="0" smtClean="0">
+                <a:solidFill>
+                  <a:schemeClr val="accent6"/>
+                </a:solidFill>
+              </a:rPr>
+              <a:t>’.</a:t>
+            </a:r>
+          </a:p>
+          <a:p>
+            <a:r>
+              <a:rPr lang="en-US" dirty="0" smtClean="0">
+                <a:solidFill>
+                  <a:schemeClr val="accent6"/>
+                </a:solidFill>
+              </a:rPr>
+              <a:t> External command =&gt; command that exist as an executable file, example ‘</a:t>
+            </a:r>
+            <a:r>
+              <a:rPr lang="en-US" dirty="0" smtClean="0">
+                <a:solidFill>
+                  <a:schemeClr val="bg1"/>
+                </a:solidFill>
+              </a:rPr>
+              <a:t>python</a:t>
+            </a:r>
+            <a:r>
+              <a:rPr lang="en-US" dirty="0" smtClean="0">
+                <a:solidFill>
+                  <a:schemeClr val="accent6"/>
+                </a:solidFill>
+              </a:rPr>
+              <a:t>’. To look up external commands the </a:t>
+            </a:r>
+            <a:r>
+              <a:rPr lang="en-US" dirty="0" smtClean="0">
+                <a:solidFill>
+                  <a:schemeClr val="bg1"/>
+                </a:solidFill>
+              </a:rPr>
+              <a:t>$PATH </a:t>
+            </a:r>
+            <a:r>
+              <a:rPr lang="en-US" dirty="0" smtClean="0">
+                <a:solidFill>
+                  <a:schemeClr val="accent6"/>
+                </a:solidFill>
+              </a:rPr>
+              <a:t>environment variable is used.</a:t>
             </a:r>
           </a:p>
           <a:p>
@@ -3449,10 +3950,34 @@
             <a:r>
               <a:rPr lang="en-US" dirty="0" smtClean="0">
                 <a:solidFill>
+                  <a:schemeClr val="accent6"/>
+                </a:solidFill>
+              </a:rPr>
+              <a:t>Create 3 aliases inside your home folder. You could choose whatever u want, </a:t>
+            </a:r>
+            <a:r>
+              <a:rPr lang="en-US" dirty="0" smtClean="0">
+                <a:solidFill>
+                  <a:schemeClr val="accent6"/>
+                </a:solidFill>
+              </a:rPr>
+              <a:t>example ‘</a:t>
+            </a:r>
+            <a:r>
+              <a:rPr lang="en-US" dirty="0" smtClean="0">
+                <a:solidFill>
                   <a:schemeClr val="bg1"/>
                 </a:solidFill>
               </a:rPr>
-              <a:t>Create 3 aliases inside your home folder. You could choose whatever u want, or you could use for p=</a:t>
+              <a:t>p</a:t>
+            </a:r>
+            <a:r>
+              <a:rPr lang="en-US" dirty="0" smtClean="0">
+                <a:solidFill>
+                  <a:schemeClr val="bg1"/>
+                </a:solidFill>
+              </a:rPr>
+              <a:t>=</a:t>
             </a:r>
             <a:r>
               <a:rPr lang="en-US" dirty="0" err="1" smtClean="0">
@@ -3465,10 +3990,50 @@
             <a:r>
               <a:rPr lang="en-US" dirty="0" smtClean="0">
                 <a:solidFill>
+                  <a:schemeClr val="accent6"/>
+                </a:solidFill>
+              </a:rPr>
+              <a:t>’, ‘</a:t>
+            </a:r>
+            <a:r>
+              <a:rPr lang="en-US" dirty="0" smtClean="0">
+                <a:solidFill>
                   <a:schemeClr val="bg1"/>
                 </a:solidFill>
               </a:rPr>
-              <a:t>, v=vim and d=</a:t>
+              <a:t>v=vim</a:t>
+            </a:r>
+            <a:r>
+              <a:rPr lang="en-US" dirty="0" smtClean="0">
+                <a:solidFill>
+                  <a:schemeClr val="accent6"/>
+                </a:solidFill>
+              </a:rPr>
+              <a:t>’</a:t>
+            </a:r>
+            <a:r>
+              <a:rPr lang="en-US" dirty="0" smtClean="0">
+                <a:solidFill>
+                  <a:schemeClr val="bg1"/>
+                </a:solidFill>
+              </a:rPr>
+              <a:t> </a:t>
+            </a:r>
+            <a:r>
+              <a:rPr lang="en-US" dirty="0" smtClean="0">
+                <a:solidFill>
+                  <a:schemeClr val="accent6"/>
+                </a:solidFill>
+              </a:rPr>
+              <a:t>and</a:t>
+            </a:r>
+            <a:r>
+              <a:rPr lang="en-US" dirty="0" smtClean="0">
+                <a:solidFill>
+                  <a:schemeClr val="bg1"/>
+                </a:solidFill>
+              </a:rPr>
+              <a:t> ‘d=</a:t>
             </a:r>
             <a:r>
               <a:rPr lang="en-US" dirty="0" err="1" smtClean="0">
@@ -3484,8 +4049,21 @@
                   <a:schemeClr val="bg1"/>
                 </a:solidFill>
               </a:rPr>
-              <a:t> –h.</a:t>
-            </a:r>
+              <a:t> –h</a:t>
+            </a:r>
+            <a:r>
+              <a:rPr lang="en-US" dirty="0" smtClean="0">
+                <a:solidFill>
+                  <a:schemeClr val="accent6"/>
+                </a:solidFill>
+              </a:rPr>
+              <a:t>’.</a:t>
+            </a:r>
+            <a:endParaRPr lang="en-US" dirty="0" smtClean="0">
+              <a:solidFill>
+                <a:schemeClr val="accent6"/>
+              </a:solidFill>
+            </a:endParaRPr>
           </a:p>
           <a:p>
             <a:pPr marL="514350" indent="-514350">
@@ -3494,10 +4072,26 @@
             <a:r>
               <a:rPr lang="en-US" dirty="0" smtClean="0">
                 <a:solidFill>
+                  <a:schemeClr val="accent6"/>
+                </a:solidFill>
+              </a:rPr>
+              <a:t>Evaluate the </a:t>
+            </a:r>
+            <a:r>
+              <a:rPr lang="en-US" dirty="0" smtClean="0">
+                <a:solidFill>
                   <a:schemeClr val="bg1"/>
                 </a:solidFill>
               </a:rPr>
-              <a:t>Evaluate the $PATH environment variable path and taste whether python is inside it.</a:t>
+              <a:t>$PATH </a:t>
+            </a:r>
+            <a:r>
+              <a:rPr lang="en-US" dirty="0" smtClean="0">
+                <a:solidFill>
+                  <a:schemeClr val="accent6"/>
+                </a:solidFill>
+              </a:rPr>
+              <a:t>environment variable path and taste whether python is inside it.</a:t>
             </a:r>
           </a:p>
           <a:p>
@@ -3507,10 +4101,34 @@
             <a:r>
               <a:rPr lang="en-US" dirty="0" smtClean="0">
                 <a:solidFill>
+                  <a:schemeClr val="accent6"/>
+                </a:solidFill>
+              </a:rPr>
+              <a:t>3</a:t>
+            </a:r>
+            <a:r>
+              <a:rPr lang="en-US" dirty="0" smtClean="0">
+                <a:solidFill>
                   <a:schemeClr val="bg1"/>
                 </a:solidFill>
               </a:rPr>
-              <a:t>3.     Write the following command in the shell ‘man </a:t>
+              <a:t>.     </a:t>
+            </a:r>
+            <a:r>
+              <a:rPr lang="en-US" dirty="0" smtClean="0">
+                <a:solidFill>
+                  <a:schemeClr val="accent6"/>
+                </a:solidFill>
+              </a:rPr>
+              <a:t>Write the following command in the shell ‘</a:t>
+            </a:r>
+            <a:r>
+              <a:rPr lang="en-US" dirty="0" smtClean="0">
+                <a:solidFill>
+                  <a:schemeClr val="bg1"/>
+                </a:solidFill>
+              </a:rPr>
+              <a:t>man </a:t>
             </a:r>
             <a:r>
               <a:rPr lang="en-US" dirty="0" err="1" smtClean="0">
@@ -3526,7 +4144,23 @@
                   <a:schemeClr val="accent6"/>
                 </a:solidFill>
               </a:rPr>
-              <a:t>’</a:t>
+              <a:t>’, what do you think ‘man’ is ? What about ‘</a:t>
+            </a:r>
+            <a:r>
+              <a:rPr lang="en-US" dirty="0" err="1" smtClean="0">
+                <a:solidFill>
+                  <a:schemeClr val="accent6"/>
+                </a:solidFill>
+              </a:rPr>
+              <a:t>df</a:t>
+            </a:r>
+            <a:r>
+              <a:rPr lang="en-US" dirty="0" smtClean="0">
+                <a:solidFill>
+                  <a:schemeClr val="accent6"/>
+                </a:solidFill>
+              </a:rPr>
+              <a:t>’?</a:t>
             </a:r>
             <a:endParaRPr lang="en-US" dirty="0"/>
           </a:p>
@@ -3616,20 +4250,20 @@
               <a:t>By default when a command is executed it shows its results on the </a:t>
             </a:r>
             <a:r>
-              <a:rPr lang="en-US" sz="3100" dirty="0" err="1" smtClean="0">
-                <a:solidFill>
-                  <a:schemeClr val="accent6"/>
-                </a:solidFill>
-              </a:rPr>
-              <a:t>screenof</a:t>
-            </a:r>
-            <a:r>
               <a:rPr lang="en-US" sz="3100" dirty="0" smtClean="0">
                 <a:solidFill>
                   <a:schemeClr val="accent6"/>
                 </a:solidFill>
               </a:rPr>
-              <a:t> the computer.</a:t>
+              <a:t>screen of </a:t>
+            </a:r>
+            <a:r>
+              <a:rPr lang="en-US" sz="3100" dirty="0" smtClean="0">
+                <a:solidFill>
+                  <a:schemeClr val="accent6"/>
+                </a:solidFill>
+              </a:rPr>
+              <a:t>the computer.</a:t>
             </a:r>
             <a:endParaRPr lang="bg-BG" sz="3100" dirty="0">
               <a:solidFill>
@@ -3694,8 +4328,21 @@
                   <a:schemeClr val="accent6"/>
                 </a:solidFill>
               </a:rPr>
-              <a:t>STDIN = Computer keyboard</a:t>
-            </a:r>
+              <a:t>STDIN = Computer </a:t>
+            </a:r>
+            <a:r>
+              <a:rPr lang="en-US" dirty="0" smtClean="0">
+                <a:solidFill>
+                  <a:schemeClr val="accent6"/>
+                </a:solidFill>
+              </a:rPr>
+              <a:t>keyboard</a:t>
+            </a:r>
+            <a:endParaRPr lang="en-US" dirty="0" smtClean="0">
+              <a:solidFill>
+                <a:schemeClr val="accent6"/>
+              </a:solidFill>
+            </a:endParaRPr>
           </a:p>
           <a:p>
             <a:pPr marL="0" indent="0">
@@ -3917,20 +4564,8 @@
                   </a:schemeClr>
                 </a:solidFill>
               </a:rPr>
-              <a:t> (file does not exist)</a:t>
-            </a:r>
-            <a:endParaRPr lang="en-US" dirty="0">
-              <a:solidFill>
-                <a:schemeClr val="bg1">
-                  <a:lumMod val="95000"/>
-                </a:schemeClr>
-              </a:solidFill>
-            </a:endParaRPr>
-          </a:p>
-          <a:p>
-            <a:pPr marL="0" indent="0">
-              <a:buNone/>
-            </a:pPr>
+              <a:t> </a:t>
+            </a:r>
             <a:endParaRPr lang="bg-BG" dirty="0" smtClean="0">
               <a:solidFill>
                 <a:schemeClr val="bg1">
@@ -4193,7 +4828,7 @@
         <p:spPr/>
         <p:txBody>
           <a:bodyPr>
-            <a:normAutofit fontScale="55000" lnSpcReduction="20000"/>
+            <a:normAutofit fontScale="62500" lnSpcReduction="20000"/>
           </a:bodyPr>
           <a:lstStyle/>
           <a:p>
@@ -4216,7 +4851,23 @@
                   <a:schemeClr val="accent6"/>
                 </a:solidFill>
               </a:rPr>
-              <a:t>‘&gt;’  redirects STDOUT. If redirection is to a file, the current contents of that file are overwritten.</a:t>
+              <a:t>‘</a:t>
+            </a:r>
+            <a:r>
+              <a:rPr lang="en-US" dirty="0" smtClean="0">
+                <a:solidFill>
+                  <a:schemeClr val="bg1"/>
+                </a:solidFill>
+              </a:rPr>
+              <a:t>&gt;</a:t>
+            </a:r>
+            <a:r>
+              <a:rPr lang="en-US" dirty="0" smtClean="0">
+                <a:solidFill>
+                  <a:schemeClr val="accent6"/>
+                </a:solidFill>
+              </a:rPr>
+              <a:t>’  redirects STDOUT. If redirection is to a file, the current contents of that file are overwritten.</a:t>
             </a:r>
           </a:p>
           <a:p>
@@ -4271,7 +4922,23 @@
                   <a:schemeClr val="accent6"/>
                 </a:solidFill>
               </a:rPr>
-              <a:t>‘&gt;&gt;’  same as above, but the content is appended to the file.</a:t>
+              <a:t>‘</a:t>
+            </a:r>
+            <a:r>
+              <a:rPr lang="en-US" dirty="0" smtClean="0">
+                <a:solidFill>
+                  <a:schemeClr val="bg1"/>
+                </a:solidFill>
+              </a:rPr>
+              <a:t>&gt;&gt;</a:t>
+            </a:r>
+            <a:r>
+              <a:rPr lang="en-US" dirty="0" smtClean="0">
+                <a:solidFill>
+                  <a:schemeClr val="accent6"/>
+                </a:solidFill>
+              </a:rPr>
+              <a:t>’  same as above, but the content is appended to the file.</a:t>
             </a:r>
           </a:p>
           <a:p>
@@ -4410,6 +5077,16 @@
               </a:rPr>
               <a:t>alltheinfo</a:t>
             </a:r>
+            <a:endParaRPr lang="en-US" sz="3400" dirty="0">
+              <a:solidFill>
+                <a:schemeClr val="bg1"/>
+              </a:solidFill>
+            </a:endParaRPr>
+          </a:p>
+          <a:p>
+            <a:pPr marL="0" indent="0">
+              <a:buNone/>
+            </a:pPr>
             <a:endParaRPr lang="en-US" sz="3400" dirty="0" smtClean="0">
               <a:solidFill>
                 <a:schemeClr val="bg1"/>
@@ -4420,23 +5097,13 @@
             <a:pPr marL="0" indent="0">
               <a:buNone/>
             </a:pPr>
-            <a:endParaRPr lang="en-US" sz="3400" dirty="0">
-              <a:solidFill>
-                <a:schemeClr val="bg1"/>
-              </a:solidFill>
-            </a:endParaRPr>
-          </a:p>
-          <a:p>
-            <a:pPr marL="0" indent="0">
-              <a:buNone/>
-            </a:pPr>
             <a:r>
               <a:rPr lang="en-US" sz="3400" dirty="0" smtClean="0">
                 <a:solidFill>
                   <a:srgbClr val="FF0000"/>
                 </a:solidFill>
               </a:rPr>
-              <a:t>Exercises:</a:t>
+              <a:t>Exercises</a:t>
             </a:r>
           </a:p>
           <a:p>
@@ -4444,12 +5111,20 @@
               <a:buAutoNum type="arabicPeriod"/>
             </a:pPr>
             <a:r>
-              <a:rPr lang="en-US" dirty="0">
-                <a:solidFill>
-                  <a:schemeClr val="bg1"/>
-                </a:solidFill>
-              </a:rPr>
-              <a:t>Redirect the standard output from a command to a file.</a:t>
+              <a:rPr lang="en-US" sz="2000" dirty="0" smtClean="0">
+                <a:solidFill>
+                  <a:schemeClr val="accent6"/>
+                </a:solidFill>
+              </a:rPr>
+              <a:t>Redirect </a:t>
+            </a:r>
+            <a:r>
+              <a:rPr lang="en-US" sz="2000" dirty="0">
+                <a:solidFill>
+                  <a:schemeClr val="accent6"/>
+                </a:solidFill>
+              </a:rPr>
+              <a:t>the standard output from a command to a file.</a:t>
             </a:r>
           </a:p>
           <a:p>
@@ -4457,13 +5132,23 @@
               <a:buAutoNum type="arabicPeriod"/>
             </a:pPr>
             <a:r>
-              <a:rPr lang="en-US" dirty="0">
-                <a:solidFill>
-                  <a:schemeClr val="bg1"/>
+              <a:rPr lang="en-US" sz="2000" dirty="0">
+                <a:solidFill>
+                  <a:schemeClr val="accent6"/>
                 </a:solidFill>
               </a:rPr>
               <a:t>Append to the file’s content one more redirection.</a:t>
             </a:r>
+          </a:p>
+          <a:p>
+            <a:pPr marL="0" indent="0">
+              <a:buNone/>
+            </a:pPr>
+            <a:endParaRPr lang="en-US" sz="3400" dirty="0" smtClean="0">
+              <a:solidFill>
+                <a:srgbClr val="FF0000"/>
+              </a:solidFill>
+            </a:endParaRPr>
           </a:p>
           <a:p>
             <a:pPr marL="0" indent="0">
@@ -4608,7 +5293,23 @@
                   <a:schemeClr val="accent6"/>
                 </a:solidFill>
               </a:rPr>
-              <a:t> database by using  ‘man –k’</a:t>
+              <a:t> database by using  ‘</a:t>
+            </a:r>
+            <a:r>
+              <a:rPr lang="en-US" dirty="0" smtClean="0">
+                <a:solidFill>
+                  <a:schemeClr val="bg1"/>
+                </a:solidFill>
+              </a:rPr>
+              <a:t>man –k</a:t>
+            </a:r>
+            <a:r>
+              <a:rPr lang="en-US" dirty="0" smtClean="0">
+                <a:solidFill>
+                  <a:schemeClr val="accent6"/>
+                </a:solidFill>
+              </a:rPr>
+              <a:t>’</a:t>
             </a:r>
           </a:p>
           <a:p>
@@ -4618,7 +5319,7 @@
             <a:r>
               <a:rPr lang="en-US" dirty="0" smtClean="0">
                 <a:solidFill>
-                  <a:schemeClr val="bg1"/>
+                  <a:srgbClr val="FF0000"/>
                 </a:solidFill>
               </a:rPr>
               <a:t>Short exercise:</a:t>
@@ -4631,26 +5332,34 @@
             <a:r>
               <a:rPr lang="en-US" dirty="0" smtClean="0">
                 <a:solidFill>
+                  <a:schemeClr val="accent6"/>
+                </a:solidFill>
+              </a:rPr>
+              <a:t>Type in the shell ‘</a:t>
+            </a:r>
+            <a:r>
+              <a:rPr lang="en-US" dirty="0" err="1" smtClean="0">
+                <a:solidFill>
                   <a:schemeClr val="bg1"/>
                 </a:solidFill>
               </a:rPr>
-              <a:t>Type in the shell ‘</a:t>
-            </a:r>
-            <a:r>
-              <a:rPr lang="en-US" dirty="0" err="1" smtClean="0">
+              <a:t>mak</a:t>
+            </a:r>
+            <a:r>
+              <a:rPr lang="en-US" dirty="0" smtClean="0">
                 <a:solidFill>
                   <a:schemeClr val="bg1"/>
                 </a:solidFill>
               </a:rPr>
-              <a:t>mak</a:t>
-            </a:r>
-            <a:r>
-              <a:rPr lang="en-US" dirty="0" smtClean="0">
-                <a:solidFill>
-                  <a:schemeClr val="bg1"/>
-                </a:solidFill>
-              </a:rPr>
-              <a:t> –k partition’</a:t>
+              <a:t> –k partition</a:t>
+            </a:r>
+            <a:r>
+              <a:rPr lang="en-US" dirty="0" smtClean="0">
+                <a:solidFill>
+                  <a:schemeClr val="accent6"/>
+                </a:solidFill>
+              </a:rPr>
+              <a:t>’</a:t>
             </a:r>
           </a:p>
           <a:p>
@@ -4660,7 +5369,7 @@
             <a:r>
               <a:rPr lang="en-US" dirty="0" smtClean="0">
                 <a:solidFill>
-                  <a:schemeClr val="bg1"/>
+                  <a:schemeClr val="accent6"/>
                 </a:solidFill>
               </a:rPr>
               <a:t>What is that number in brackets in each result ? </a:t>
@@ -5154,7 +5863,55 @@
                   <a:schemeClr val="accent6"/>
                 </a:solidFill>
               </a:rPr>
-              <a:t>Each man page is a small vim environment. You could search for information with ‘/’ ( forward slash) and go be to next entry with ‘n’, come back to the previous one with ‘N’.</a:t>
+              <a:t>Each man page is a small vim environment. You could search for information with ‘</a:t>
+            </a:r>
+            <a:r>
+              <a:rPr lang="en-US" dirty="0" smtClean="0">
+                <a:solidFill>
+                  <a:schemeClr val="bg1"/>
+                </a:solidFill>
+              </a:rPr>
+              <a:t>/</a:t>
+            </a:r>
+            <a:r>
+              <a:rPr lang="en-US" dirty="0" smtClean="0">
+                <a:solidFill>
+                  <a:schemeClr val="accent6"/>
+                </a:solidFill>
+              </a:rPr>
+              <a:t>’ ( forward slash) and go be to next entry with ‘</a:t>
+            </a:r>
+            <a:r>
+              <a:rPr lang="en-US" dirty="0" smtClean="0">
+                <a:solidFill>
+                  <a:schemeClr val="bg1"/>
+                </a:solidFill>
+              </a:rPr>
+              <a:t>n</a:t>
+            </a:r>
+            <a:r>
+              <a:rPr lang="en-US" dirty="0" smtClean="0">
+                <a:solidFill>
+                  <a:schemeClr val="accent6"/>
+                </a:solidFill>
+              </a:rPr>
+              <a:t>’, come back to the previous one with ‘</a:t>
+            </a:r>
+            <a:r>
+              <a:rPr lang="en-US" dirty="0" smtClean="0">
+                <a:solidFill>
+                  <a:schemeClr val="bg1"/>
+                </a:solidFill>
+              </a:rPr>
+              <a:t>N</a:t>
+            </a:r>
+            <a:r>
+              <a:rPr lang="en-US" dirty="0" smtClean="0">
+                <a:solidFill>
+                  <a:schemeClr val="accent6"/>
+                </a:solidFill>
+              </a:rPr>
+              <a:t>’.</a:t>
             </a:r>
             <a:br>
               <a:rPr lang="en-US" dirty="0" smtClean="0">
@@ -5184,7 +5941,23 @@
                   <a:schemeClr val="accent6"/>
                 </a:solidFill>
               </a:rPr>
-              <a:t>The most important part of the man page is on the bottom, usually you have examples how to use the command or have ‘see also’ section.</a:t>
+              <a:t>The most important part of the man page is on the bottom, usually you have examples how to use the </a:t>
+            </a:r>
+            <a:r>
+              <a:rPr lang="en-US" dirty="0" smtClean="0">
+                <a:solidFill>
+                  <a:schemeClr val="accent6"/>
+                </a:solidFill>
+              </a:rPr>
+              <a:t>command(synopsis) </a:t>
+            </a:r>
+            <a:r>
+              <a:rPr lang="en-US" dirty="0" smtClean="0">
+                <a:solidFill>
+                  <a:schemeClr val="accent6"/>
+                </a:solidFill>
+              </a:rPr>
+              <a:t>or have ‘see also’ section.</a:t>
             </a:r>
             <a:endParaRPr lang="bg-BG" dirty="0">
               <a:solidFill>
@@ -5476,79 +6249,103 @@
             <a:r>
               <a:rPr lang="en-US" dirty="0" smtClean="0">
                 <a:solidFill>
+                  <a:schemeClr val="accent6"/>
+                </a:solidFill>
+              </a:rPr>
+              <a:t>1. Have a look at the man page for ‘</a:t>
+            </a:r>
+            <a:r>
+              <a:rPr lang="en-US" dirty="0" err="1" smtClean="0">
+                <a:solidFill>
                   <a:schemeClr val="bg1"/>
                 </a:solidFill>
               </a:rPr>
-              <a:t>1. Have a look at the man page for ‘</a:t>
-            </a:r>
-            <a:r>
-              <a:rPr lang="en-US" dirty="0" err="1" smtClean="0">
+              <a:t>pvcreate</a:t>
+            </a:r>
+            <a:r>
+              <a:rPr lang="en-US" dirty="0" smtClean="0">
+                <a:solidFill>
+                  <a:schemeClr val="accent6"/>
+                </a:solidFill>
+              </a:rPr>
+              <a:t>’.</a:t>
+            </a:r>
+            <a:r>
+              <a:rPr lang="en-US" dirty="0" smtClean="0">
                 <a:solidFill>
                   <a:schemeClr val="bg1"/>
                 </a:solidFill>
               </a:rPr>
-              <a:t>pvcreate</a:t>
-            </a:r>
-            <a:r>
+              <a:t/>
+            </a:r>
+            <a:br>
               <a:rPr lang="en-US" dirty="0" smtClean="0">
                 <a:solidFill>
                   <a:schemeClr val="bg1"/>
                 </a:solidFill>
               </a:rPr>
-              <a:t>’.</a:t>
+            </a:br>
+            <a:r>
+              <a:rPr lang="en-US" dirty="0" smtClean="0">
+                <a:solidFill>
+                  <a:schemeClr val="accent6"/>
+                </a:solidFill>
+              </a:rPr>
+              <a:t>2. Find the examples.</a:t>
             </a:r>
             <a:br>
               <a:rPr lang="en-US" dirty="0" smtClean="0">
                 <a:solidFill>
+                  <a:schemeClr val="accent6"/>
+                </a:solidFill>
+              </a:rPr>
+            </a:br>
+            <a:r>
+              <a:rPr lang="en-US" dirty="0" smtClean="0">
+                <a:solidFill>
+                  <a:schemeClr val="accent6"/>
+                </a:solidFill>
+              </a:rPr>
+              <a:t>3. Find the ‘</a:t>
+            </a:r>
+            <a:r>
+              <a:rPr lang="en-US" dirty="0" smtClean="0">
+                <a:solidFill>
                   <a:schemeClr val="bg1"/>
                 </a:solidFill>
               </a:rPr>
+              <a:t>see also</a:t>
+            </a:r>
+            <a:r>
+              <a:rPr lang="en-US" dirty="0" smtClean="0">
+                <a:solidFill>
+                  <a:schemeClr val="accent6"/>
+                </a:solidFill>
+              </a:rPr>
+              <a:t>’ section.</a:t>
+            </a:r>
+            <a:r>
+              <a:rPr lang="en-US" dirty="0" smtClean="0">
+                <a:solidFill>
+                  <a:schemeClr val="bg1"/>
+                </a:solidFill>
+              </a:rPr>
+              <a:t/>
+            </a:r>
+            <a:br>
+              <a:rPr lang="en-US" dirty="0" smtClean="0">
+                <a:solidFill>
+                  <a:schemeClr val="bg1"/>
+                </a:solidFill>
+              </a:rPr>
             </a:br>
             <a:r>
               <a:rPr lang="en-US" dirty="0" smtClean="0">
                 <a:solidFill>
-                  <a:schemeClr val="bg1"/>
-                </a:solidFill>
-              </a:rPr>
-              <a:t>2. Find the examples.</a:t>
-            </a:r>
-            <a:br>
-              <a:rPr lang="en-US" dirty="0" smtClean="0">
-                <a:solidFill>
-                  <a:schemeClr val="bg1"/>
-                </a:solidFill>
-              </a:rPr>
-            </a:br>
-            <a:r>
-              <a:rPr lang="en-US" dirty="0" smtClean="0">
-                <a:solidFill>
-                  <a:schemeClr val="bg1"/>
-                </a:solidFill>
-              </a:rPr>
-              <a:t>3. Find the ‘see also’ section.</a:t>
-            </a:r>
-            <a:br>
-              <a:rPr lang="en-US" dirty="0" smtClean="0">
-                <a:solidFill>
-                  <a:schemeClr val="bg1"/>
-                </a:solidFill>
-              </a:rPr>
-            </a:br>
-            <a:r>
-              <a:rPr lang="en-US" dirty="0" smtClean="0">
-                <a:solidFill>
-                  <a:schemeClr val="bg1"/>
+                  <a:schemeClr val="accent6"/>
                 </a:solidFill>
               </a:rPr>
               <a:t>4. What information did you get ?</a:t>
-            </a:r>
-            <a:r>
-              <a:rPr lang="en-US" dirty="0" smtClean="0">
-                <a:solidFill>
-                  <a:schemeClr val="accent6"/>
-                </a:solidFill>
-              </a:rPr>
-              <a:t/>
             </a:r>
             <a:br>
               <a:rPr lang="en-US" dirty="0" smtClean="0">
@@ -5695,14 +6492,30 @@
                   <a:schemeClr val="accent6"/>
                 </a:solidFill>
               </a:rPr>
-              <a:t> grep =&gt; print lines matching a pattern.</a:t>
+              <a:t> </a:t>
+            </a:r>
+            <a:r>
+              <a:rPr lang="en-US" dirty="0" smtClean="0">
+                <a:solidFill>
+                  <a:schemeClr val="bg1"/>
+                </a:solidFill>
+              </a:rPr>
+              <a:t>grep </a:t>
+            </a:r>
+            <a:r>
+              <a:rPr lang="en-US" dirty="0" smtClean="0">
+                <a:solidFill>
+                  <a:schemeClr val="accent6"/>
+                </a:solidFill>
+              </a:rPr>
+              <a:t>=&gt; print lines matching a pattern.</a:t>
             </a:r>
           </a:p>
           <a:p>
             <a:r>
               <a:rPr lang="en-US" dirty="0">
                 <a:solidFill>
-                  <a:schemeClr val="accent6"/>
+                  <a:schemeClr val="bg1"/>
                 </a:solidFill>
               </a:rPr>
               <a:t>f</a:t>
@@ -5710,10 +6523,18 @@
             <a:r>
               <a:rPr lang="en-US" dirty="0" smtClean="0">
                 <a:solidFill>
-                  <a:schemeClr val="accent6"/>
-                </a:solidFill>
-              </a:rPr>
-              <a:t>ind =&gt; search for files.</a:t>
+                  <a:schemeClr val="bg1"/>
+                </a:solidFill>
+              </a:rPr>
+              <a:t>ind </a:t>
+            </a:r>
+            <a:r>
+              <a:rPr lang="en-US" dirty="0" smtClean="0">
+                <a:solidFill>
+                  <a:schemeClr val="accent6"/>
+                </a:solidFill>
+              </a:rPr>
+              <a:t>=&gt; search for files.</a:t>
             </a:r>
           </a:p>
           <a:p>
@@ -5877,7 +6698,7 @@
             <a:r>
               <a:rPr lang="en-US" dirty="0" smtClean="0">
                 <a:solidFill>
-                  <a:schemeClr val="bg1"/>
+                  <a:schemeClr val="accent6"/>
                 </a:solidFill>
               </a:rPr>
               <a:t>Homework:</a:t>
@@ -5890,7 +6711,7 @@
             <a:r>
               <a:rPr lang="en-US" dirty="0" smtClean="0">
                 <a:solidFill>
-                  <a:schemeClr val="bg1"/>
+                  <a:schemeClr val="accent6"/>
                 </a:solidFill>
               </a:rPr>
               <a:t>Create 2 aliases that helps you speed your course.</a:t>
@@ -5903,10 +6724,18 @@
             <a:r>
               <a:rPr lang="en-US" dirty="0" smtClean="0">
                 <a:solidFill>
+                  <a:schemeClr val="accent6"/>
+                </a:solidFill>
+              </a:rPr>
+              <a:t>Find all man pages for </a:t>
+            </a:r>
+            <a:r>
+              <a:rPr lang="en-US" dirty="0" smtClean="0">
+                <a:solidFill>
                   <a:schemeClr val="bg1"/>
                 </a:solidFill>
               </a:rPr>
-              <a:t>Find all man pages for ‘</a:t>
+              <a:t>‘</a:t>
             </a:r>
             <a:r>
               <a:rPr lang="en-US" dirty="0" err="1" smtClean="0">
@@ -5919,7 +6748,7 @@
             <a:r>
               <a:rPr lang="en-US" dirty="0" smtClean="0">
                 <a:solidFill>
-                  <a:schemeClr val="bg1"/>
+                  <a:schemeClr val="accent6"/>
                 </a:solidFill>
               </a:rPr>
               <a:t>’.</a:t>
@@ -5932,10 +6761,26 @@
             <a:r>
               <a:rPr lang="en-US" dirty="0" smtClean="0">
                 <a:solidFill>
+                  <a:schemeClr val="accent6"/>
+                </a:solidFill>
+              </a:rPr>
+              <a:t>Find all man pages for ‘</a:t>
+            </a:r>
+            <a:r>
+              <a:rPr lang="en-US" dirty="0" smtClean="0">
+                <a:solidFill>
                   <a:schemeClr val="bg1"/>
                 </a:solidFill>
               </a:rPr>
-              <a:t>Find all man pages for ‘dev’.</a:t>
+              <a:t>dev’</a:t>
+            </a:r>
+            <a:r>
+              <a:rPr lang="en-US" dirty="0" smtClean="0">
+                <a:solidFill>
+                  <a:schemeClr val="accent6"/>
+                </a:solidFill>
+              </a:rPr>
+              <a:t>.</a:t>
             </a:r>
           </a:p>
           <a:p>
@@ -5945,7 +6790,7 @@
             <a:r>
               <a:rPr lang="en-US" dirty="0" smtClean="0">
                 <a:solidFill>
-                  <a:schemeClr val="bg1"/>
+                  <a:schemeClr val="accent6"/>
                 </a:solidFill>
               </a:rPr>
               <a:t>Redirect each one of 2 and 3 to a special file.</a:t>
@@ -5958,10 +6803,34 @@
             <a:r>
               <a:rPr lang="en-US" dirty="0" smtClean="0">
                 <a:solidFill>
+                  <a:schemeClr val="accent6"/>
+                </a:solidFill>
+              </a:rPr>
+              <a:t>Find all users starting with </a:t>
+            </a:r>
+            <a:r>
+              <a:rPr lang="en-US" dirty="0" smtClean="0">
+                <a:solidFill>
                   <a:schemeClr val="bg1"/>
                 </a:solidFill>
               </a:rPr>
-              <a:t>Find all users starting with ‘r’ inside /</a:t>
+              <a:t>‘r’ </a:t>
+            </a:r>
+            <a:r>
+              <a:rPr lang="en-US" dirty="0" smtClean="0">
+                <a:solidFill>
+                  <a:schemeClr val="accent6"/>
+                </a:solidFill>
+              </a:rPr>
+              <a:t>inside</a:t>
+            </a:r>
+            <a:r>
+              <a:rPr lang="en-US" dirty="0" smtClean="0">
+                <a:solidFill>
+                  <a:schemeClr val="bg1"/>
+                </a:solidFill>
+              </a:rPr>
+              <a:t> /</a:t>
             </a:r>
             <a:r>
               <a:rPr lang="en-US" dirty="0" err="1" smtClean="0">
@@ -5993,7 +6862,15 @@
                   <a:schemeClr val="bg1"/>
                 </a:solidFill>
               </a:rPr>
-              <a:t> file.</a:t>
+              <a:t> </a:t>
+            </a:r>
+            <a:r>
+              <a:rPr lang="en-US" dirty="0" smtClean="0">
+                <a:solidFill>
+                  <a:schemeClr val="accent6"/>
+                </a:solidFill>
+              </a:rPr>
+              <a:t>file.</a:t>
             </a:r>
           </a:p>
           <a:p>
@@ -6003,7 +6880,7 @@
             <a:r>
               <a:rPr lang="en-US" dirty="0" smtClean="0">
                 <a:solidFill>
-                  <a:schemeClr val="bg1"/>
+                  <a:schemeClr val="accent6"/>
                 </a:solidFill>
               </a:rPr>
               <a:t>Redirect the output to a special file.</a:t>
@@ -6016,10 +6893,34 @@
             <a:r>
               <a:rPr lang="en-US" dirty="0" smtClean="0">
                 <a:solidFill>
+                  <a:schemeClr val="accent6"/>
+                </a:solidFill>
+              </a:rPr>
+              <a:t>Make a google search about ‘</a:t>
+            </a:r>
+            <a:r>
+              <a:rPr lang="en-US" dirty="0" smtClean="0">
+                <a:solidFill>
                   <a:schemeClr val="bg1"/>
                 </a:solidFill>
               </a:rPr>
-              <a:t>Make a google search about ‘/dev/ ‘ directory, what do you think it hides as content ?</a:t>
+              <a:t>/</a:t>
+            </a:r>
+            <a:r>
+              <a:rPr lang="en-US" dirty="0" smtClean="0">
+                <a:solidFill>
+                  <a:schemeClr val="bg1"/>
+                </a:solidFill>
+              </a:rPr>
+              <a:t>dev </a:t>
+            </a:r>
+            <a:r>
+              <a:rPr lang="en-US" dirty="0" smtClean="0">
+                <a:solidFill>
+                  <a:schemeClr val="accent6"/>
+                </a:solidFill>
+              </a:rPr>
+              <a:t>‘ directory, what do you think it hides as content ?</a:t>
             </a:r>
           </a:p>
           <a:p>
@@ -6351,4 +7252,265 @@
   <a:objectDefaults/>
   <a:extraClrSchemeLst/>
 </a:theme>
+</file>
+
+<file path=ppt/theme/theme2.xml><?xml version="1.0" encoding="utf-8"?>
+<a:theme xmlns:a="http://schemas.openxmlformats.org/drawingml/2006/main" name="Office Theme">
+  <a:themeElements>
+    <a:clrScheme name="Office">
+      <a:dk1>
+        <a:sysClr val="windowText" lastClr="000000"/>
+      </a:dk1>
+      <a:lt1>
+        <a:sysClr val="window" lastClr="FFFFFF"/>
+      </a:lt1>
+      <a:dk2>
+        <a:srgbClr val="44546A"/>
+      </a:dk2>
+      <a:lt2>
+        <a:srgbClr val="E7E6E6"/>
+      </a:lt2>
+      <a:accent1>
+        <a:srgbClr val="4472C4"/>
+      </a:accent1>
+      <a:accent2>
+        <a:srgbClr val="ED7D31"/>
+      </a:accent2>
+      <a:accent3>
+        <a:srgbClr val="A5A5A5"/>
+      </a:accent3>
+      <a:accent4>
+        <a:srgbClr val="FFC000"/>
+      </a:accent4>
+      <a:accent5>
+        <a:srgbClr val="5B9BD5"/>
+      </a:accent5>
+      <a:accent6>
+        <a:srgbClr val="70AD47"/>
+      </a:accent6>
+      <a:hlink>
+        <a:srgbClr val="0563C1"/>
+      </a:hlink>
+      <a:folHlink>
+        <a:srgbClr val="954F72"/>
+      </a:folHlink>
+    </a:clrScheme>
+    <a:fontScheme name="Office">
+      <a:majorFont>
+        <a:latin typeface="Calibri Light" panose="020F0302020204030204"/>
+        <a:ea typeface=""/>
+        <a:cs typeface=""/>
+        <a:font script="Jpan" typeface="Yu Gothic Light"/>
+        <a:font script="Hang" typeface="맑은 고딕"/>
+        <a:font script="Hans" typeface="DengXian Light"/>
+        <a:font script="Hant" typeface="新細明體"/>
+        <a:font script="Arab" typeface="Times New Roman"/>
+        <a:font script="Hebr" typeface="Times New Roman"/>
+        <a:font script="Thai" typeface="Angsana New"/>
+        <a:font script="Ethi" typeface="Nyala"/>
+        <a:font script="Beng" typeface="Vrinda"/>
+        <a:font script="Gujr" typeface="Shruti"/>
+        <a:font script="Khmr" typeface="MoolBoran"/>
+        <a:font script="Knda" typeface="Tunga"/>
+        <a:font script="Guru" typeface="Raavi"/>
+        <a:font script="Cans" typeface="Euphemia"/>
+        <a:font script="Cher" typeface="Plantagenet Cherokee"/>
+        <a:font script="Yiii" typeface="Microsoft Yi Baiti"/>
+        <a:font script="Tibt" typeface="Microsoft Himalaya"/>
+        <a:font script="Thaa" typeface="MV Boli"/>
+        <a:font script="Deva" typeface="Mangal"/>
+        <a:font script="Telu" typeface="Gautami"/>
+        <a:font script="Taml" typeface="Latha"/>
+        <a:font script="Syrc" typeface="Estrangelo Edessa"/>
+        <a:font script="Orya" typeface="Kalinga"/>
+        <a:font script="Mlym" typeface="Kartika"/>
+        <a:font script="Laoo" typeface="DokChampa"/>
+        <a:font script="Sinh" typeface="Iskoola Pota"/>
+        <a:font script="Mong" typeface="Mongolian Baiti"/>
+        <a:font script="Viet" typeface="Times New Roman"/>
+        <a:font script="Uigh" typeface="Microsoft Uighur"/>
+        <a:font script="Geor" typeface="Sylfaen"/>
+      </a:majorFont>
+      <a:minorFont>
+        <a:latin typeface="Calibri" panose="020F0502020204030204"/>
+        <a:ea typeface=""/>
+        <a:cs typeface=""/>
+        <a:font script="Jpan" typeface="Yu Gothic"/>
+        <a:font script="Hang" typeface="맑은 고딕"/>
+        <a:font script="Hans" typeface="DengXian"/>
+        <a:font script="Hant" typeface="新細明體"/>
+        <a:font script="Arab" typeface="Arial"/>
+        <a:font script="Hebr" typeface="Arial"/>
+        <a:font script="Thai" typeface="Cordia New"/>
+        <a:font script="Ethi" typeface="Nyala"/>
+        <a:font script="Beng" typeface="Vrinda"/>
+        <a:font script="Gujr" typeface="Shruti"/>
+        <a:font script="Khmr" typeface="DaunPenh"/>
+        <a:font script="Knda" typeface="Tunga"/>
+        <a:font script="Guru" typeface="Raavi"/>
+        <a:font script="Cans" typeface="Euphemia"/>
+        <a:font script="Cher" typeface="Plantagenet Cherokee"/>
+        <a:font script="Yiii" typeface="Microsoft Yi Baiti"/>
+        <a:font script="Tibt" typeface="Microsoft Himalaya"/>
+        <a:font script="Thaa" typeface="MV Boli"/>
+        <a:font script="Deva" typeface="Mangal"/>
+        <a:font script="Telu" typeface="Gautami"/>
+        <a:font script="Taml" typeface="Latha"/>
+        <a:font script="Syrc" typeface="Estrangelo Edessa"/>
+        <a:font script="Orya" typeface="Kalinga"/>
+        <a:font script="Mlym" typeface="Kartika"/>
+        <a:font script="Laoo" typeface="DokChampa"/>
+        <a:font script="Sinh" typeface="Iskoola Pota"/>
+        <a:font script="Mong" typeface="Mongolian Baiti"/>
+        <a:font script="Viet" typeface="Arial"/>
+        <a:font script="Uigh" typeface="Microsoft Uighur"/>
+        <a:font script="Geor" typeface="Sylfaen"/>
+      </a:minorFont>
+    </a:fontScheme>
+    <a:fmtScheme name="Office">
+      <a:fillStyleLst>
+        <a:solidFill>
+          <a:schemeClr val="phClr"/>
+        </a:solidFill>
+        <a:gradFill rotWithShape="1">
+          <a:gsLst>
+            <a:gs pos="0">
+              <a:schemeClr val="phClr">
+                <a:lumMod val="110000"/>
+                <a:satMod val="105000"/>
+                <a:tint val="67000"/>
+              </a:schemeClr>
+            </a:gs>
+            <a:gs pos="50000">
+              <a:schemeClr val="phClr">
+                <a:lumMod val="105000"/>
+                <a:satMod val="103000"/>
+                <a:tint val="73000"/>
+              </a:schemeClr>
+            </a:gs>
+            <a:gs pos="100000">
+              <a:schemeClr val="phClr">
+                <a:lumMod val="105000"/>
+                <a:satMod val="109000"/>
+                <a:tint val="81000"/>
+              </a:schemeClr>
+            </a:gs>
+          </a:gsLst>
+          <a:lin ang="5400000" scaled="0"/>
+        </a:gradFill>
+        <a:gradFill rotWithShape="1">
+          <a:gsLst>
+            <a:gs pos="0">
+              <a:schemeClr val="phClr">
+                <a:satMod val="103000"/>
+                <a:lumMod val="102000"/>
+                <a:tint val="94000"/>
+              </a:schemeClr>
+            </a:gs>
+            <a:gs pos="50000">
+              <a:schemeClr val="phClr">
+                <a:satMod val="110000"/>
+                <a:lumMod val="100000"/>
+                <a:shade val="100000"/>
+              </a:schemeClr>
+            </a:gs>
+            <a:gs pos="100000">
+              <a:schemeClr val="phClr">
+                <a:lumMod val="99000"/>
+                <a:satMod val="120000"/>
+                <a:shade val="78000"/>
+              </a:schemeClr>
+            </a:gs>
+          </a:gsLst>
+          <a:lin ang="5400000" scaled="0"/>
+        </a:gradFill>
+      </a:fillStyleLst>
+      <a:lnStyleLst>
+        <a:ln w="6350" cap="flat" cmpd="sng" algn="ctr">
+          <a:solidFill>
+            <a:schemeClr val="phClr"/>
+          </a:solidFill>
+          <a:prstDash val="solid"/>
+          <a:miter lim="800000"/>
+        </a:ln>
+        <a:ln w="12700" cap="flat" cmpd="sng" algn="ctr">
+          <a:solidFill>
+            <a:schemeClr val="phClr"/>
+          </a:solidFill>
+          <a:prstDash val="solid"/>
+          <a:miter lim="800000"/>
+        </a:ln>
+        <a:ln w="19050" cap="flat" cmpd="sng" algn="ctr">
+          <a:solidFill>
+            <a:schemeClr val="phClr"/>
+          </a:solidFill>
+          <a:prstDash val="solid"/>
+          <a:miter lim="800000"/>
+        </a:ln>
+      </a:lnStyleLst>
+      <a:effectStyleLst>
+        <a:effectStyle>
+          <a:effectLst/>
+        </a:effectStyle>
+        <a:effectStyle>
+          <a:effectLst/>
+        </a:effectStyle>
+        <a:effectStyle>
+          <a:effectLst>
+            <a:outerShdw blurRad="57150" dist="19050" dir="5400000" algn="ctr" rotWithShape="0">
+              <a:srgbClr val="000000">
+                <a:alpha val="63000"/>
+              </a:srgbClr>
+            </a:outerShdw>
+          </a:effectLst>
+        </a:effectStyle>
+      </a:effectStyleLst>
+      <a:bgFillStyleLst>
+        <a:solidFill>
+          <a:schemeClr val="phClr"/>
+        </a:solidFill>
+        <a:solidFill>
+          <a:schemeClr val="phClr">
+            <a:tint val="95000"/>
+            <a:satMod val="170000"/>
+          </a:schemeClr>
+        </a:solidFill>
+        <a:gradFill rotWithShape="1">
+          <a:gsLst>
+            <a:gs pos="0">
+              <a:schemeClr val="phClr">
+                <a:tint val="93000"/>
+                <a:satMod val="150000"/>
+                <a:shade val="98000"/>
+                <a:lumMod val="102000"/>
+              </a:schemeClr>
+            </a:gs>
+            <a:gs pos="50000">
+              <a:schemeClr val="phClr">
+                <a:tint val="98000"/>
+                <a:satMod val="130000"/>
+                <a:shade val="90000"/>
+                <a:lumMod val="103000"/>
+              </a:schemeClr>
+            </a:gs>
+            <a:gs pos="100000">
+              <a:schemeClr val="phClr">
+                <a:shade val="63000"/>
+                <a:satMod val="120000"/>
+              </a:schemeClr>
+            </a:gs>
+          </a:gsLst>
+          <a:lin ang="5400000" scaled="0"/>
+        </a:gradFill>
+      </a:bgFillStyleLst>
+    </a:fmtScheme>
+  </a:themeElements>
+  <a:objectDefaults/>
+  <a:extraClrSchemeLst/>
+  <a:extLst>
+    <a:ext uri="{05A4C25C-085E-4340-85A3-A5531E510DB2}">
+      <thm15:themeFamily xmlns:thm15="http://schemas.microsoft.com/office/thememl/2012/main" name="Office Theme" id="{62F939B6-93AF-4DB8-9C6B-D6C7DFDC589F}" vid="{4A3C46E8-61CC-4603-A589-7422A47A8E4A}"/>
+    </a:ext>
+  </a:extLst>
+</a:theme>
 </file>
--- a/2.Using_Essential_Tools/02-UsingEssentialTools.pptx
+++ b/2.Using_Essential_Tools/02-UsingEssentialTools.pptx
@@ -216,7 +216,7 @@
           <a:p>
             <a:fld id="{BF75ECE4-E962-F444-AA45-989C755D0155}" type="datetimeFigureOut">
               <a:rPr lang="en-US" smtClean="0"/>
-              <a:t>3/20/17</a:t>
+              <a:t>4/5/17</a:t>
             </a:fld>
             <a:endParaRPr lang="en-US"/>
           </a:p>
@@ -568,6 +568,90 @@
 </p:notes>
 </file>
 
+<file path=ppt/notesSlides/notesSlide2.xml><?xml version="1.0" encoding="utf-8"?>
+<p:notes xmlns:a="http://schemas.openxmlformats.org/drawingml/2006/main" xmlns:r="http://schemas.openxmlformats.org/officeDocument/2006/relationships" xmlns:p="http://schemas.openxmlformats.org/presentationml/2006/main">
+  <p:cSld>
+    <p:spTree>
+      <p:nvGrpSpPr>
+        <p:cNvPr id="1" name=""/>
+        <p:cNvGrpSpPr/>
+        <p:nvPr/>
+      </p:nvGrpSpPr>
+      <p:grpSpPr>
+        <a:xfrm>
+          <a:off x="0" y="0"/>
+          <a:ext cx="0" cy="0"/>
+          <a:chOff x="0" y="0"/>
+          <a:chExt cx="0" cy="0"/>
+        </a:xfrm>
+      </p:grpSpPr>
+      <p:sp>
+        <p:nvSpPr>
+          <p:cNvPr id="2" name="Slide Image Placeholder 1"/>
+          <p:cNvSpPr>
+            <a:spLocks noGrp="1" noRot="1" noChangeAspect="1"/>
+          </p:cNvSpPr>
+          <p:nvPr>
+            <p:ph type="sldImg"/>
+          </p:nvPr>
+        </p:nvSpPr>
+        <p:spPr/>
+      </p:sp>
+      <p:sp>
+        <p:nvSpPr>
+          <p:cNvPr id="3" name="Notes Placeholder 2"/>
+          <p:cNvSpPr>
+            <a:spLocks noGrp="1"/>
+          </p:cNvSpPr>
+          <p:nvPr>
+            <p:ph type="body" idx="1"/>
+          </p:nvPr>
+        </p:nvSpPr>
+        <p:spPr/>
+        <p:txBody>
+          <a:bodyPr/>
+          <a:lstStyle/>
+          <a:p>
+            <a:endParaRPr lang="en-US" dirty="0"/>
+          </a:p>
+        </p:txBody>
+      </p:sp>
+      <p:sp>
+        <p:nvSpPr>
+          <p:cNvPr id="4" name="Slide Number Placeholder 3"/>
+          <p:cNvSpPr>
+            <a:spLocks noGrp="1"/>
+          </p:cNvSpPr>
+          <p:nvPr>
+            <p:ph type="sldNum" sz="quarter" idx="10"/>
+          </p:nvPr>
+        </p:nvSpPr>
+        <p:spPr/>
+        <p:txBody>
+          <a:bodyPr/>
+          <a:lstStyle/>
+          <a:p>
+            <a:fld id="{414F1A81-C01C-5B40-B5DB-FD37CBBF69A9}" type="slidenum">
+              <a:rPr lang="en-US" smtClean="0"/>
+              <a:t>9</a:t>
+            </a:fld>
+            <a:endParaRPr lang="en-US"/>
+          </a:p>
+        </p:txBody>
+      </p:sp>
+    </p:spTree>
+    <p:extLst>
+      <p:ext uri="{BB962C8B-B14F-4D97-AF65-F5344CB8AC3E}">
+        <p14:creationId xmlns:p14="http://schemas.microsoft.com/office/powerpoint/2010/main" val="583231881"/>
+      </p:ext>
+    </p:extLst>
+  </p:cSld>
+  <p:clrMapOvr>
+    <a:masterClrMapping/>
+  </p:clrMapOvr>
+</p:notes>
+</file>
+
 <file path=ppt/slideLayouts/slideLayout1.xml><?xml version="1.0" encoding="utf-8"?>
 <p:sldLayout xmlns:a="http://schemas.openxmlformats.org/drawingml/2006/main" xmlns:r="http://schemas.openxmlformats.org/officeDocument/2006/relationships" xmlns:p="http://schemas.openxmlformats.org/presentationml/2006/main" type="title" preserve="1">
   <p:cSld name="Title Slide">
@@ -749,7 +833,7 @@
           <a:p>
             <a:fld id="{3EA744D9-3FBE-48D8-BF2A-85DF203E4D20}" type="datetimeFigureOut">
               <a:rPr lang="bg-BG" smtClean="0"/>
-              <a:t>20.03.17 г.</a:t>
+              <a:t>5.04.17 г.</a:t>
             </a:fld>
             <a:endParaRPr lang="bg-BG"/>
           </a:p>
@@ -919,7 +1003,7 @@
           <a:p>
             <a:fld id="{3EA744D9-3FBE-48D8-BF2A-85DF203E4D20}" type="datetimeFigureOut">
               <a:rPr lang="bg-BG" smtClean="0"/>
-              <a:t>20.03.17 г.</a:t>
+              <a:t>5.04.17 г.</a:t>
             </a:fld>
             <a:endParaRPr lang="bg-BG"/>
           </a:p>
@@ -1099,7 +1183,7 @@
           <a:p>
             <a:fld id="{3EA744D9-3FBE-48D8-BF2A-85DF203E4D20}" type="datetimeFigureOut">
               <a:rPr lang="bg-BG" smtClean="0"/>
-              <a:t>20.03.17 г.</a:t>
+              <a:t>5.04.17 г.</a:t>
             </a:fld>
             <a:endParaRPr lang="bg-BG"/>
           </a:p>
@@ -1269,7 +1353,7 @@
           <a:p>
             <a:fld id="{3EA744D9-3FBE-48D8-BF2A-85DF203E4D20}" type="datetimeFigureOut">
               <a:rPr lang="bg-BG" smtClean="0"/>
-              <a:t>20.03.17 г.</a:t>
+              <a:t>5.04.17 г.</a:t>
             </a:fld>
             <a:endParaRPr lang="bg-BG"/>
           </a:p>
@@ -1515,7 +1599,7 @@
           <a:p>
             <a:fld id="{3EA744D9-3FBE-48D8-BF2A-85DF203E4D20}" type="datetimeFigureOut">
               <a:rPr lang="bg-BG" smtClean="0"/>
-              <a:t>20.03.17 г.</a:t>
+              <a:t>5.04.17 г.</a:t>
             </a:fld>
             <a:endParaRPr lang="bg-BG"/>
           </a:p>
@@ -1803,7 +1887,7 @@
           <a:p>
             <a:fld id="{3EA744D9-3FBE-48D8-BF2A-85DF203E4D20}" type="datetimeFigureOut">
               <a:rPr lang="bg-BG" smtClean="0"/>
-              <a:t>20.03.17 г.</a:t>
+              <a:t>5.04.17 г.</a:t>
             </a:fld>
             <a:endParaRPr lang="bg-BG"/>
           </a:p>
@@ -2225,7 +2309,7 @@
           <a:p>
             <a:fld id="{3EA744D9-3FBE-48D8-BF2A-85DF203E4D20}" type="datetimeFigureOut">
               <a:rPr lang="bg-BG" smtClean="0"/>
-              <a:t>20.03.17 г.</a:t>
+              <a:t>5.04.17 г.</a:t>
             </a:fld>
             <a:endParaRPr lang="bg-BG"/>
           </a:p>
@@ -2343,7 +2427,7 @@
           <a:p>
             <a:fld id="{3EA744D9-3FBE-48D8-BF2A-85DF203E4D20}" type="datetimeFigureOut">
               <a:rPr lang="bg-BG" smtClean="0"/>
-              <a:t>20.03.17 г.</a:t>
+              <a:t>5.04.17 г.</a:t>
             </a:fld>
             <a:endParaRPr lang="bg-BG"/>
           </a:p>
@@ -2438,7 +2522,7 @@
           <a:p>
             <a:fld id="{3EA744D9-3FBE-48D8-BF2A-85DF203E4D20}" type="datetimeFigureOut">
               <a:rPr lang="bg-BG" smtClean="0"/>
-              <a:t>20.03.17 г.</a:t>
+              <a:t>5.04.17 г.</a:t>
             </a:fld>
             <a:endParaRPr lang="bg-BG"/>
           </a:p>
@@ -2715,7 +2799,7 @@
           <a:p>
             <a:fld id="{3EA744D9-3FBE-48D8-BF2A-85DF203E4D20}" type="datetimeFigureOut">
               <a:rPr lang="bg-BG" smtClean="0"/>
-              <a:t>20.03.17 г.</a:t>
+              <a:t>5.04.17 г.</a:t>
             </a:fld>
             <a:endParaRPr lang="bg-BG"/>
           </a:p>
@@ -2968,7 +3052,7 @@
           <a:p>
             <a:fld id="{3EA744D9-3FBE-48D8-BF2A-85DF203E4D20}" type="datetimeFigureOut">
               <a:rPr lang="bg-BG" smtClean="0"/>
-              <a:t>20.03.17 г.</a:t>
+              <a:t>5.04.17 г.</a:t>
             </a:fld>
             <a:endParaRPr lang="bg-BG"/>
           </a:p>
@@ -3190,7 +3274,7 @@
           <a:p>
             <a:fld id="{3EA744D9-3FBE-48D8-BF2A-85DF203E4D20}" type="datetimeFigureOut">
               <a:rPr lang="bg-BG" smtClean="0"/>
-              <a:t>20.03.17 г.</a:t>
+              <a:t>5.04.17 г.</a:t>
             </a:fld>
             <a:endParaRPr lang="bg-BG"/>
           </a:p>
@@ -3794,7 +3878,12 @@
             <p:ph type="title"/>
           </p:nvPr>
         </p:nvSpPr>
-        <p:spPr/>
+        <p:spPr>
+          <a:xfrm>
+            <a:off x="914400" y="274956"/>
+            <a:ext cx="8229600" cy="1143000"/>
+          </a:xfrm>
+        </p:spPr>
         <p:txBody>
           <a:bodyPr/>
           <a:lstStyle/>
@@ -3953,15 +4042,7 @@
                   <a:schemeClr val="accent6"/>
                 </a:solidFill>
               </a:rPr>
-              <a:t>Create 3 aliases inside your home folder. You could choose whatever u want, </a:t>
-            </a:r>
-            <a:r>
-              <a:rPr lang="en-US" dirty="0" smtClean="0">
-                <a:solidFill>
-                  <a:schemeClr val="accent6"/>
-                </a:solidFill>
-              </a:rPr>
-              <a:t>example ‘</a:t>
+              <a:t>Create 3 aliases inside your home folder. You could choose whatever u want, example ‘</a:t>
             </a:r>
             <a:r>
               <a:rPr lang="en-US" dirty="0" smtClean="0">
@@ -3969,15 +4050,63 @@
                   <a:schemeClr val="bg1"/>
                 </a:solidFill>
               </a:rPr>
-              <a:t>p</a:t>
-            </a:r>
-            <a:r>
-              <a:rPr lang="en-US" dirty="0" smtClean="0">
+              <a:t>p=</a:t>
+            </a:r>
+            <a:r>
+              <a:rPr lang="en-US" dirty="0" err="1" smtClean="0">
                 <a:solidFill>
                   <a:schemeClr val="bg1"/>
                 </a:solidFill>
               </a:rPr>
-              <a:t>=</a:t>
+              <a:t>pwd</a:t>
+            </a:r>
+            <a:r>
+              <a:rPr lang="en-US" dirty="0" smtClean="0">
+                <a:solidFill>
+                  <a:schemeClr val="accent6"/>
+                </a:solidFill>
+              </a:rPr>
+              <a:t>’, ‘</a:t>
+            </a:r>
+            <a:r>
+              <a:rPr lang="en-US" dirty="0" smtClean="0">
+                <a:solidFill>
+                  <a:schemeClr val="bg1"/>
+                </a:solidFill>
+              </a:rPr>
+              <a:t>v=vim</a:t>
+            </a:r>
+            <a:r>
+              <a:rPr lang="en-US" dirty="0" smtClean="0">
+                <a:solidFill>
+                  <a:schemeClr val="accent6"/>
+                </a:solidFill>
+              </a:rPr>
+              <a:t>’</a:t>
+            </a:r>
+            <a:r>
+              <a:rPr lang="en-US" dirty="0" smtClean="0">
+                <a:solidFill>
+                  <a:schemeClr val="bg1"/>
+                </a:solidFill>
+              </a:rPr>
+              <a:t> </a:t>
+            </a:r>
+            <a:r>
+              <a:rPr lang="en-US" dirty="0" smtClean="0">
+                <a:solidFill>
+                  <a:schemeClr val="accent6"/>
+                </a:solidFill>
+              </a:rPr>
+              <a:t>and</a:t>
+            </a:r>
+            <a:r>
+              <a:rPr lang="en-US" dirty="0" smtClean="0">
+                <a:solidFill>
+                  <a:schemeClr val="bg1"/>
+                </a:solidFill>
+              </a:rPr>
+              <a:t> ‘d=</a:t>
             </a:r>
             <a:r>
               <a:rPr lang="en-US" dirty="0" err="1" smtClean="0">
@@ -3985,15 +4114,7 @@
                   <a:schemeClr val="bg1"/>
                 </a:solidFill>
               </a:rPr>
-              <a:t>pwd</a:t>
-            </a:r>
-            <a:r>
-              <a:rPr lang="en-US" dirty="0" smtClean="0">
-                <a:solidFill>
-                  <a:schemeClr val="accent6"/>
-                </a:solidFill>
-              </a:rPr>
-              <a:t>’, ‘</a:t>
+              <a:t>df</a:t>
             </a:r>
             <a:r>
               <a:rPr lang="en-US" dirty="0" smtClean="0">
@@ -4001,54 +4122,6 @@
                   <a:schemeClr val="bg1"/>
                 </a:solidFill>
               </a:rPr>
-              <a:t>v=vim</a:t>
-            </a:r>
-            <a:r>
-              <a:rPr lang="en-US" dirty="0" smtClean="0">
-                <a:solidFill>
-                  <a:schemeClr val="accent6"/>
-                </a:solidFill>
-              </a:rPr>
-              <a:t>’</a:t>
-            </a:r>
-            <a:r>
-              <a:rPr lang="en-US" dirty="0" smtClean="0">
-                <a:solidFill>
-                  <a:schemeClr val="bg1"/>
-                </a:solidFill>
-              </a:rPr>
-              <a:t> </a:t>
-            </a:r>
-            <a:r>
-              <a:rPr lang="en-US" dirty="0" smtClean="0">
-                <a:solidFill>
-                  <a:schemeClr val="accent6"/>
-                </a:solidFill>
-              </a:rPr>
-              <a:t>and</a:t>
-            </a:r>
-            <a:r>
-              <a:rPr lang="en-US" dirty="0" smtClean="0">
-                <a:solidFill>
-                  <a:schemeClr val="bg1"/>
-                </a:solidFill>
-              </a:rPr>
-              <a:t> ‘d=</a:t>
-            </a:r>
-            <a:r>
-              <a:rPr lang="en-US" dirty="0" err="1" smtClean="0">
-                <a:solidFill>
-                  <a:schemeClr val="bg1"/>
-                </a:solidFill>
-              </a:rPr>
-              <a:t>df</a:t>
-            </a:r>
-            <a:r>
-              <a:rPr lang="en-US" dirty="0" smtClean="0">
-                <a:solidFill>
-                  <a:schemeClr val="bg1"/>
-                </a:solidFill>
-              </a:rPr>
               <a:t> –h</a:t>
             </a:r>
             <a:r>
@@ -4059,11 +4132,6 @@
               </a:rPr>
               <a:t>’.</a:t>
             </a:r>
-            <a:endParaRPr lang="en-US" dirty="0" smtClean="0">
-              <a:solidFill>
-                <a:schemeClr val="accent6"/>
-              </a:solidFill>
-            </a:endParaRPr>
           </a:p>
           <a:p>
             <a:pPr marL="514350" indent="-514350">
@@ -4247,23 +4315,7 @@
                   <a:schemeClr val="accent6"/>
                 </a:solidFill>
               </a:rPr>
-              <a:t>By default when a command is executed it shows its results on the </a:t>
-            </a:r>
-            <a:r>
-              <a:rPr lang="en-US" sz="3100" dirty="0" smtClean="0">
-                <a:solidFill>
-                  <a:schemeClr val="accent6"/>
-                </a:solidFill>
-              </a:rPr>
-              <a:t>screen of </a:t>
-            </a:r>
-            <a:r>
-              <a:rPr lang="en-US" sz="3100" dirty="0" smtClean="0">
-                <a:solidFill>
-                  <a:schemeClr val="accent6"/>
-                </a:solidFill>
-              </a:rPr>
-              <a:t>the computer.</a:t>
+              <a:t>By default when a command is executed it shows its results on the screen of the computer.</a:t>
             </a:r>
             <a:endParaRPr lang="bg-BG" sz="3100" dirty="0">
               <a:solidFill>
@@ -4328,21 +4380,8 @@
                   <a:schemeClr val="accent6"/>
                 </a:solidFill>
               </a:rPr>
-              <a:t>STDIN = Computer </a:t>
-            </a:r>
-            <a:r>
-              <a:rPr lang="en-US" dirty="0" smtClean="0">
-                <a:solidFill>
-                  <a:schemeClr val="accent6"/>
-                </a:solidFill>
-              </a:rPr>
-              <a:t>keyboard</a:t>
-            </a:r>
-            <a:endParaRPr lang="en-US" dirty="0" smtClean="0">
-              <a:solidFill>
-                <a:schemeClr val="accent6"/>
-              </a:solidFill>
-            </a:endParaRPr>
+              <a:t>STDIN = Computer keyboard</a:t>
+            </a:r>
           </a:p>
           <a:p>
             <a:pPr marL="0" indent="0">
@@ -5941,23 +5980,7 @@
                   <a:schemeClr val="accent6"/>
                 </a:solidFill>
               </a:rPr>
-              <a:t>The most important part of the man page is on the bottom, usually you have examples how to use the </a:t>
-            </a:r>
-            <a:r>
-              <a:rPr lang="en-US" dirty="0" smtClean="0">
-                <a:solidFill>
-                  <a:schemeClr val="accent6"/>
-                </a:solidFill>
-              </a:rPr>
-              <a:t>command(synopsis) </a:t>
-            </a:r>
-            <a:r>
-              <a:rPr lang="en-US" dirty="0" smtClean="0">
-                <a:solidFill>
-                  <a:schemeClr val="accent6"/>
-                </a:solidFill>
-              </a:rPr>
-              <a:t>or have ‘see also’ section.</a:t>
+              <a:t>The most important part of the man page is on the bottom, usually you have examples how to use the command(synopsis) or have ‘see also’ section.</a:t>
             </a:r>
             <a:endParaRPr lang="bg-BG" dirty="0">
               <a:solidFill>
@@ -6904,15 +6927,7 @@
                   <a:schemeClr val="bg1"/>
                 </a:solidFill>
               </a:rPr>
-              <a:t>/</a:t>
-            </a:r>
-            <a:r>
-              <a:rPr lang="en-US" dirty="0" smtClean="0">
-                <a:solidFill>
-                  <a:schemeClr val="bg1"/>
-                </a:solidFill>
-              </a:rPr>
-              <a:t>dev </a:t>
+              <a:t>/dev </a:t>
             </a:r>
             <a:r>
               <a:rPr lang="en-US" dirty="0" smtClean="0">

--- a/2.Using_Essential_Tools/02-UsingEssentialTools.pptx
+++ b/2.Using_Essential_Tools/02-UsingEssentialTools.pptx
@@ -6201,7 +6201,7 @@
               </a:rPr>
             </a:br>
             <a:r>
-              <a:rPr lang="en-US" dirty="0" smtClean="0">
+              <a:rPr lang="en-US" sz="3100" dirty="0" smtClean="0">
                 <a:solidFill>
                   <a:schemeClr val="accent6"/>
                 </a:solidFill>
@@ -6209,7 +6209,7 @@
               <a:t>The man command has a </a:t>
             </a:r>
             <a:r>
-              <a:rPr lang="en-US" dirty="0" err="1" smtClean="0">
+              <a:rPr lang="en-US" sz="3100" dirty="0" err="1" smtClean="0">
                 <a:solidFill>
                   <a:schemeClr val="accent6"/>
                 </a:solidFill>
@@ -6217,22 +6217,30 @@
               <a:t>mandb</a:t>
             </a:r>
             <a:r>
-              <a:rPr lang="en-US" dirty="0" smtClean="0">
-                <a:solidFill>
-                  <a:schemeClr val="accent6"/>
-                </a:solidFill>
-              </a:rPr>
-              <a:t> database that needs to be updated in special cases.</a:t>
+              <a:rPr lang="en-US" sz="3100" dirty="0" smtClean="0">
+                <a:solidFill>
+                  <a:schemeClr val="accent6"/>
+                </a:solidFill>
+              </a:rPr>
+              <a:t> database that needs to be updated in special cases</a:t>
+            </a:r>
+            <a:r>
+              <a:rPr lang="en-US" sz="3100" dirty="0" smtClean="0">
+                <a:solidFill>
+                  <a:schemeClr val="accent6"/>
+                </a:solidFill>
+              </a:rPr>
+              <a:t>.</a:t>
             </a:r>
             <a:br>
-              <a:rPr lang="en-US" dirty="0" smtClean="0">
+              <a:rPr lang="en-US" sz="3100" dirty="0" smtClean="0">
                 <a:solidFill>
                   <a:schemeClr val="accent6"/>
                 </a:solidFill>
               </a:rPr>
             </a:br>
             <a:r>
-              <a:rPr lang="en-US" dirty="0">
+              <a:rPr lang="en-US" sz="3100" dirty="0" smtClean="0">
                 <a:solidFill>
                   <a:schemeClr val="accent6"/>
                 </a:solidFill>
@@ -6240,14 +6248,124 @@
               <a:t/>
             </a:r>
             <a:br>
-              <a:rPr lang="en-US" dirty="0">
+              <a:rPr lang="en-US" sz="3100" dirty="0" smtClean="0">
                 <a:solidFill>
                   <a:schemeClr val="accent6"/>
                 </a:solidFill>
               </a:rPr>
             </a:br>
             <a:r>
-              <a:rPr lang="en-US" dirty="0" smtClean="0">
+              <a:rPr lang="en-US" sz="3100" dirty="0" smtClean="0">
+                <a:solidFill>
+                  <a:schemeClr val="accent6"/>
+                </a:solidFill>
+              </a:rPr>
+              <a:t>Another place to look for information is ‘</a:t>
+            </a:r>
+            <a:r>
+              <a:rPr lang="en-US" sz="3100" dirty="0" smtClean="0">
+                <a:solidFill>
+                  <a:schemeClr val="bg1"/>
+                </a:solidFill>
+              </a:rPr>
+              <a:t>/</a:t>
+            </a:r>
+            <a:r>
+              <a:rPr lang="en-US" sz="3100" dirty="0" err="1" smtClean="0">
+                <a:solidFill>
+                  <a:schemeClr val="bg1"/>
+                </a:solidFill>
+              </a:rPr>
+              <a:t>usr</a:t>
+            </a:r>
+            <a:r>
+              <a:rPr lang="en-US" sz="3100" dirty="0" smtClean="0">
+                <a:solidFill>
+                  <a:schemeClr val="bg1"/>
+                </a:solidFill>
+              </a:rPr>
+              <a:t>/share/doc</a:t>
+            </a:r>
+            <a:r>
+              <a:rPr lang="en-US" sz="3100" dirty="0" smtClean="0">
+                <a:solidFill>
+                  <a:schemeClr val="accent6"/>
+                </a:solidFill>
+              </a:rPr>
+              <a:t>’. Developers may choose to include documentation in their applications RPM distribution package. When the package is installed, files recognized as documentation are moved to ‘</a:t>
+            </a:r>
+            <a:r>
+              <a:rPr lang="en-US" sz="3100" dirty="0" smtClean="0">
+                <a:solidFill>
+                  <a:schemeClr val="bg1"/>
+                </a:solidFill>
+              </a:rPr>
+              <a:t>/</a:t>
+            </a:r>
+            <a:r>
+              <a:rPr lang="en-US" sz="3100" dirty="0" err="1" smtClean="0">
+                <a:solidFill>
+                  <a:schemeClr val="bg1"/>
+                </a:solidFill>
+              </a:rPr>
+              <a:t>usr</a:t>
+            </a:r>
+            <a:r>
+              <a:rPr lang="en-US" sz="3100" dirty="0" smtClean="0">
+                <a:solidFill>
+                  <a:schemeClr val="bg1"/>
+                </a:solidFill>
+              </a:rPr>
+              <a:t>/share/doc/</a:t>
+            </a:r>
+            <a:r>
+              <a:rPr lang="en-US" sz="3100" dirty="0" err="1" smtClean="0">
+                <a:solidFill>
+                  <a:schemeClr val="bg1"/>
+                </a:solidFill>
+              </a:rPr>
+              <a:t>packagename</a:t>
+            </a:r>
+            <a:r>
+              <a:rPr lang="en-US" sz="3100" dirty="0" smtClean="0">
+                <a:solidFill>
+                  <a:schemeClr val="accent6"/>
+                </a:solidFill>
+              </a:rPr>
+              <a:t>’. </a:t>
+            </a:r>
+            <a:r>
+              <a:rPr lang="en-US" sz="3100" dirty="0" smtClean="0">
+                <a:solidFill>
+                  <a:schemeClr val="accent6"/>
+                </a:solidFill>
+              </a:rPr>
+              <a:t/>
+            </a:r>
+            <a:br>
+              <a:rPr lang="en-US" sz="3100" dirty="0" smtClean="0">
+                <a:solidFill>
+                  <a:schemeClr val="accent6"/>
+                </a:solidFill>
+              </a:rPr>
+            </a:br>
+            <a:r>
+              <a:rPr lang="en-US" sz="3100" dirty="0">
+                <a:solidFill>
+                  <a:schemeClr val="accent6"/>
+                </a:solidFill>
+              </a:rPr>
+              <a:t/>
+            </a:r>
+            <a:br>
+              <a:rPr lang="en-US" sz="3100" dirty="0">
+                <a:solidFill>
+                  <a:schemeClr val="accent6"/>
+                </a:solidFill>
+              </a:rPr>
+            </a:br>
+            <a:r>
+              <a:rPr lang="en-US" sz="3100" dirty="0" smtClean="0">
                 <a:solidFill>
                   <a:srgbClr val="FF0000"/>
                 </a:solidFill>
@@ -6255,7 +6373,7 @@
               <a:t>Exercises:</a:t>
             </a:r>
             <a:r>
-              <a:rPr lang="en-US" dirty="0" smtClean="0">
+              <a:rPr lang="en-US" sz="3100" dirty="0" smtClean="0">
                 <a:solidFill>
                   <a:schemeClr val="accent6"/>
                 </a:solidFill>
@@ -6263,14 +6381,14 @@
               <a:t/>
             </a:r>
             <a:br>
-              <a:rPr lang="en-US" dirty="0" smtClean="0">
+              <a:rPr lang="en-US" sz="3100" dirty="0" smtClean="0">
                 <a:solidFill>
                   <a:schemeClr val="accent6"/>
                 </a:solidFill>
               </a:rPr>
             </a:br>
             <a:r>
-              <a:rPr lang="en-US" dirty="0" smtClean="0">
+              <a:rPr lang="en-US" sz="3100" dirty="0" smtClean="0">
                 <a:solidFill>
                   <a:schemeClr val="accent6"/>
                 </a:solidFill>
@@ -6278,7 +6396,7 @@
               <a:t>1. Have a look at the man page for ‘</a:t>
             </a:r>
             <a:r>
-              <a:rPr lang="en-US" dirty="0" err="1" smtClean="0">
+              <a:rPr lang="en-US" sz="3100" dirty="0" err="1" smtClean="0">
                 <a:solidFill>
                   <a:schemeClr val="bg1"/>
                 </a:solidFill>
@@ -6286,7 +6404,7 @@
               <a:t>pvcreate</a:t>
             </a:r>
             <a:r>
-              <a:rPr lang="en-US" dirty="0" smtClean="0">
+              <a:rPr lang="en-US" sz="3100" dirty="0" smtClean="0">
                 <a:solidFill>
                   <a:schemeClr val="accent6"/>
                 </a:solidFill>
@@ -6294,7 +6412,7 @@
               <a:t>’.</a:t>
             </a:r>
             <a:r>
-              <a:rPr lang="en-US" dirty="0" smtClean="0">
+              <a:rPr lang="en-US" sz="3100" dirty="0" smtClean="0">
                 <a:solidFill>
                   <a:schemeClr val="bg1"/>
                 </a:solidFill>
@@ -6302,14 +6420,14 @@
               <a:t/>
             </a:r>
             <a:br>
-              <a:rPr lang="en-US" dirty="0" smtClean="0">
+              <a:rPr lang="en-US" sz="3100" dirty="0" smtClean="0">
                 <a:solidFill>
                   <a:schemeClr val="bg1"/>
                 </a:solidFill>
               </a:rPr>
             </a:br>
             <a:r>
-              <a:rPr lang="en-US" dirty="0" smtClean="0">
+              <a:rPr lang="en-US" sz="3100" dirty="0" smtClean="0">
                 <a:solidFill>
                   <a:schemeClr val="accent6"/>
                 </a:solidFill>
@@ -6317,14 +6435,14 @@
               <a:t>2. Find the examples.</a:t>
             </a:r>
             <a:br>
-              <a:rPr lang="en-US" dirty="0" smtClean="0">
+              <a:rPr lang="en-US" sz="3100" dirty="0" smtClean="0">
                 <a:solidFill>
                   <a:schemeClr val="accent6"/>
                 </a:solidFill>
               </a:rPr>
             </a:br>
             <a:r>
-              <a:rPr lang="en-US" dirty="0" smtClean="0">
+              <a:rPr lang="en-US" sz="3100" dirty="0" smtClean="0">
                 <a:solidFill>
                   <a:schemeClr val="accent6"/>
                 </a:solidFill>
@@ -6332,7 +6450,7 @@
               <a:t>3. Find the ‘</a:t>
             </a:r>
             <a:r>
-              <a:rPr lang="en-US" dirty="0" smtClean="0">
+              <a:rPr lang="en-US" sz="3100" dirty="0" smtClean="0">
                 <a:solidFill>
                   <a:schemeClr val="bg1"/>
                 </a:solidFill>
@@ -6340,7 +6458,7 @@
               <a:t>see also</a:t>
             </a:r>
             <a:r>
-              <a:rPr lang="en-US" dirty="0" smtClean="0">
+              <a:rPr lang="en-US" sz="3100" dirty="0" smtClean="0">
                 <a:solidFill>
                   <a:schemeClr val="accent6"/>
                 </a:solidFill>
@@ -6348,7 +6466,7 @@
               <a:t>’ section.</a:t>
             </a:r>
             <a:r>
-              <a:rPr lang="en-US" dirty="0" smtClean="0">
+              <a:rPr lang="en-US" sz="3100" dirty="0" smtClean="0">
                 <a:solidFill>
                   <a:schemeClr val="bg1"/>
                 </a:solidFill>
@@ -6356,14 +6474,14 @@
               <a:t/>
             </a:r>
             <a:br>
-              <a:rPr lang="en-US" dirty="0" smtClean="0">
+              <a:rPr lang="en-US" sz="3100" dirty="0" smtClean="0">
                 <a:solidFill>
                   <a:schemeClr val="bg1"/>
                 </a:solidFill>
               </a:rPr>
             </a:br>
             <a:r>
-              <a:rPr lang="en-US" dirty="0" smtClean="0">
+              <a:rPr lang="en-US" sz="3100" dirty="0" smtClean="0">
                 <a:solidFill>
                   <a:schemeClr val="accent6"/>
                 </a:solidFill>
@@ -6371,7 +6489,7 @@
               <a:t>4. What information did you get ?</a:t>
             </a:r>
             <a:br>
-              <a:rPr lang="en-US" dirty="0" smtClean="0">
+              <a:rPr lang="en-US" sz="3100" dirty="0" smtClean="0">
                 <a:solidFill>
                   <a:schemeClr val="accent6"/>
                 </a:solidFill>

--- a/2.Using_Essential_Tools/02-UsingEssentialTools.pptx
+++ b/2.Using_Essential_Tools/02-UsingEssentialTools.pptx
@@ -216,7 +216,7 @@
           <a:p>
             <a:fld id="{BF75ECE4-E962-F444-AA45-989C755D0155}" type="datetimeFigureOut">
               <a:rPr lang="en-US" smtClean="0"/>
-              <a:t>4/5/17</a:t>
+              <a:t>4/6/17</a:t>
             </a:fld>
             <a:endParaRPr lang="en-US"/>
           </a:p>
@@ -833,7 +833,7 @@
           <a:p>
             <a:fld id="{3EA744D9-3FBE-48D8-BF2A-85DF203E4D20}" type="datetimeFigureOut">
               <a:rPr lang="bg-BG" smtClean="0"/>
-              <a:t>5.04.17 г.</a:t>
+              <a:t>6.04.17 г.</a:t>
             </a:fld>
             <a:endParaRPr lang="bg-BG"/>
           </a:p>
@@ -1003,7 +1003,7 @@
           <a:p>
             <a:fld id="{3EA744D9-3FBE-48D8-BF2A-85DF203E4D20}" type="datetimeFigureOut">
               <a:rPr lang="bg-BG" smtClean="0"/>
-              <a:t>5.04.17 г.</a:t>
+              <a:t>6.04.17 г.</a:t>
             </a:fld>
             <a:endParaRPr lang="bg-BG"/>
           </a:p>
@@ -1183,7 +1183,7 @@
           <a:p>
             <a:fld id="{3EA744D9-3FBE-48D8-BF2A-85DF203E4D20}" type="datetimeFigureOut">
               <a:rPr lang="bg-BG" smtClean="0"/>
-              <a:t>5.04.17 г.</a:t>
+              <a:t>6.04.17 г.</a:t>
             </a:fld>
             <a:endParaRPr lang="bg-BG"/>
           </a:p>
@@ -1353,7 +1353,7 @@
           <a:p>
             <a:fld id="{3EA744D9-3FBE-48D8-BF2A-85DF203E4D20}" type="datetimeFigureOut">
               <a:rPr lang="bg-BG" smtClean="0"/>
-              <a:t>5.04.17 г.</a:t>
+              <a:t>6.04.17 г.</a:t>
             </a:fld>
             <a:endParaRPr lang="bg-BG"/>
           </a:p>
@@ -1599,7 +1599,7 @@
           <a:p>
             <a:fld id="{3EA744D9-3FBE-48D8-BF2A-85DF203E4D20}" type="datetimeFigureOut">
               <a:rPr lang="bg-BG" smtClean="0"/>
-              <a:t>5.04.17 г.</a:t>
+              <a:t>6.04.17 г.</a:t>
             </a:fld>
             <a:endParaRPr lang="bg-BG"/>
           </a:p>
@@ -1887,7 +1887,7 @@
           <a:p>
             <a:fld id="{3EA744D9-3FBE-48D8-BF2A-85DF203E4D20}" type="datetimeFigureOut">
               <a:rPr lang="bg-BG" smtClean="0"/>
-              <a:t>5.04.17 г.</a:t>
+              <a:t>6.04.17 г.</a:t>
             </a:fld>
             <a:endParaRPr lang="bg-BG"/>
           </a:p>
@@ -2309,7 +2309,7 @@
           <a:p>
             <a:fld id="{3EA744D9-3FBE-48D8-BF2A-85DF203E4D20}" type="datetimeFigureOut">
               <a:rPr lang="bg-BG" smtClean="0"/>
-              <a:t>5.04.17 г.</a:t>
+              <a:t>6.04.17 г.</a:t>
             </a:fld>
             <a:endParaRPr lang="bg-BG"/>
           </a:p>
@@ -2427,7 +2427,7 @@
           <a:p>
             <a:fld id="{3EA744D9-3FBE-48D8-BF2A-85DF203E4D20}" type="datetimeFigureOut">
               <a:rPr lang="bg-BG" smtClean="0"/>
-              <a:t>5.04.17 г.</a:t>
+              <a:t>6.04.17 г.</a:t>
             </a:fld>
             <a:endParaRPr lang="bg-BG"/>
           </a:p>
@@ -2522,7 +2522,7 @@
           <a:p>
             <a:fld id="{3EA744D9-3FBE-48D8-BF2A-85DF203E4D20}" type="datetimeFigureOut">
               <a:rPr lang="bg-BG" smtClean="0"/>
-              <a:t>5.04.17 г.</a:t>
+              <a:t>6.04.17 г.</a:t>
             </a:fld>
             <a:endParaRPr lang="bg-BG"/>
           </a:p>
@@ -2799,7 +2799,7 @@
           <a:p>
             <a:fld id="{3EA744D9-3FBE-48D8-BF2A-85DF203E4D20}" type="datetimeFigureOut">
               <a:rPr lang="bg-BG" smtClean="0"/>
-              <a:t>5.04.17 г.</a:t>
+              <a:t>6.04.17 г.</a:t>
             </a:fld>
             <a:endParaRPr lang="bg-BG"/>
           </a:p>
@@ -3052,7 +3052,7 @@
           <a:p>
             <a:fld id="{3EA744D9-3FBE-48D8-BF2A-85DF203E4D20}" type="datetimeFigureOut">
               <a:rPr lang="bg-BG" smtClean="0"/>
-              <a:t>5.04.17 г.</a:t>
+              <a:t>6.04.17 г.</a:t>
             </a:fld>
             <a:endParaRPr lang="bg-BG"/>
           </a:p>
@@ -3274,7 +3274,7 @@
           <a:p>
             <a:fld id="{3EA744D9-3FBE-48D8-BF2A-85DF203E4D20}" type="datetimeFigureOut">
               <a:rPr lang="bg-BG" smtClean="0"/>
-              <a:t>5.04.17 г.</a:t>
+              <a:t>6.04.17 г.</a:t>
             </a:fld>
             <a:endParaRPr lang="bg-BG"/>
           </a:p>
@@ -3779,7 +3779,38 @@
                   <a:schemeClr val="bg1"/>
                 </a:solidFill>
               </a:rPr>
-              <a:t>alias v=“vim”</a:t>
+              <a:t>alias v=“vim</a:t>
+            </a:r>
+            <a:r>
+              <a:rPr lang="en-US" dirty="0" smtClean="0">
+                <a:solidFill>
+                  <a:schemeClr val="bg1"/>
+                </a:solidFill>
+              </a:rPr>
+              <a:t>”</a:t>
+            </a:r>
+            <a:br>
+              <a:rPr lang="en-US" dirty="0" smtClean="0">
+                <a:solidFill>
+                  <a:schemeClr val="bg1"/>
+                </a:solidFill>
+              </a:rPr>
+            </a:br>
+            <a:r>
+              <a:rPr lang="en-US" dirty="0" smtClean="0">
+                <a:solidFill>
+                  <a:schemeClr val="accent6"/>
+                </a:solidFill>
+              </a:rPr>
+              <a:t>Reload the shell: </a:t>
+            </a:r>
+            <a:r>
+              <a:rPr lang="en-US" dirty="0" smtClean="0">
+                <a:solidFill>
+                  <a:schemeClr val="bg1"/>
+                </a:solidFill>
+              </a:rPr>
+              <a:t>exec bash</a:t>
             </a:r>
             <a:endParaRPr lang="bg-BG" dirty="0">
               <a:solidFill>
@@ -4163,8 +4194,8 @@
             </a:r>
           </a:p>
           <a:p>
-            <a:pPr marL="0" indent="0">
-              <a:buNone/>
+            <a:pPr marL="514350" indent="-514350">
+              <a:buAutoNum type="arabicPeriod" startAt="3"/>
             </a:pPr>
             <a:r>
               <a:rPr lang="en-US" dirty="0" smtClean="0">
@@ -4172,23 +4203,15 @@
                   <a:schemeClr val="accent6"/>
                 </a:solidFill>
               </a:rPr>
-              <a:t>3</a:t>
-            </a:r>
-            <a:r>
-              <a:rPr lang="en-US" dirty="0" smtClean="0">
-                <a:solidFill>
-                  <a:schemeClr val="bg1"/>
-                </a:solidFill>
-              </a:rPr>
-              <a:t>.     </a:t>
-            </a:r>
-            <a:r>
-              <a:rPr lang="en-US" dirty="0" smtClean="0">
-                <a:solidFill>
-                  <a:schemeClr val="accent6"/>
-                </a:solidFill>
-              </a:rPr>
-              <a:t>Write the following command in the shell ‘</a:t>
+              <a:t>Write </a:t>
+            </a:r>
+            <a:r>
+              <a:rPr lang="en-US" dirty="0" smtClean="0">
+                <a:solidFill>
+                  <a:schemeClr val="accent6"/>
+                </a:solidFill>
+              </a:rPr>
+              <a:t>the following command in the shell ‘</a:t>
             </a:r>
             <a:r>
               <a:rPr lang="en-US" dirty="0" smtClean="0">
@@ -4212,7 +4235,33 @@
                   <a:schemeClr val="accent6"/>
                 </a:solidFill>
               </a:rPr>
-              <a:t>’, what do you think ‘man’ is ? What about ‘</a:t>
+              <a:t>’, what do you think ‘man’ is ? </a:t>
+            </a:r>
+            <a:endParaRPr lang="en-US" dirty="0" smtClean="0">
+              <a:solidFill>
+                <a:schemeClr val="accent6"/>
+              </a:solidFill>
+            </a:endParaRPr>
+          </a:p>
+          <a:p>
+            <a:pPr marL="514350" indent="-514350">
+              <a:buAutoNum type="arabicPeriod" startAt="3"/>
+            </a:pPr>
+            <a:r>
+              <a:rPr lang="en-US" dirty="0" smtClean="0">
+                <a:solidFill>
+                  <a:schemeClr val="accent6"/>
+                </a:solidFill>
+              </a:rPr>
+              <a:t>What </a:t>
+            </a:r>
+            <a:r>
+              <a:rPr lang="en-US" dirty="0" smtClean="0">
+                <a:solidFill>
+                  <a:schemeClr val="accent6"/>
+                </a:solidFill>
+              </a:rPr>
+              <a:t>about ‘</a:t>
             </a:r>
             <a:r>
               <a:rPr lang="en-US" dirty="0" err="1" smtClean="0">
@@ -4228,7 +4277,23 @@
                   <a:schemeClr val="accent6"/>
                 </a:solidFill>
               </a:rPr>
-              <a:t>’?</a:t>
+              <a:t>’? Ask ‘</a:t>
+            </a:r>
+            <a:r>
+              <a:rPr lang="en-US" dirty="0" err="1" smtClean="0">
+                <a:solidFill>
+                  <a:schemeClr val="accent6"/>
+                </a:solidFill>
+              </a:rPr>
+              <a:t>whatis</a:t>
+            </a:r>
+            <a:r>
+              <a:rPr lang="en-US" dirty="0" smtClean="0">
+                <a:solidFill>
+                  <a:schemeClr val="accent6"/>
+                </a:solidFill>
+              </a:rPr>
+              <a:t>’ ? </a:t>
             </a:r>
             <a:endParaRPr lang="en-US" dirty="0"/>
           </a:p>
@@ -4343,7 +4408,7 @@
         </p:spPr>
         <p:txBody>
           <a:bodyPr>
-            <a:normAutofit fontScale="55000" lnSpcReduction="20000"/>
+            <a:normAutofit fontScale="62500" lnSpcReduction="20000"/>
           </a:bodyPr>
           <a:lstStyle/>
           <a:p>
@@ -4444,39 +4509,17 @@
                   </a:schemeClr>
                 </a:solidFill>
               </a:rPr>
-              <a:t>#!/bin/</a:t>
-            </a:r>
-            <a:r>
-              <a:rPr lang="en-US" dirty="0" err="1" smtClean="0">
+              <a:t>cat </a:t>
+            </a:r>
+            <a:r>
+              <a:rPr lang="en-US" dirty="0" smtClean="0">
                 <a:solidFill>
                   <a:schemeClr val="bg1">
                     <a:lumMod val="95000"/>
                   </a:schemeClr>
                 </a:solidFill>
               </a:rPr>
-              <a:t>sh</a:t>
-            </a:r>
-            <a:endParaRPr lang="en-US" dirty="0" smtClean="0">
-              <a:solidFill>
-                <a:schemeClr val="bg1">
-                  <a:lumMod val="95000"/>
-                </a:schemeClr>
-              </a:solidFill>
-            </a:endParaRPr>
-          </a:p>
-          <a:p>
-            <a:pPr marL="0" indent="0">
-              <a:buNone/>
-            </a:pPr>
-            <a:r>
-              <a:rPr lang="en-US" dirty="0" smtClean="0">
-                <a:solidFill>
-                  <a:schemeClr val="bg1">
-                    <a:lumMod val="95000"/>
-                  </a:schemeClr>
-                </a:solidFill>
-              </a:rPr>
-              <a:t>cat –</a:t>
+              <a:t>–</a:t>
             </a:r>
           </a:p>
           <a:p>
@@ -5765,7 +5808,7 @@
         </p:nvSpPr>
         <p:spPr>
           <a:xfrm>
-            <a:off x="762000" y="706437"/>
+            <a:off x="533400" y="609600"/>
             <a:ext cx="8229600" cy="1143000"/>
           </a:xfrm>
         </p:spPr>
@@ -6222,15 +6265,7 @@
                   <a:schemeClr val="accent6"/>
                 </a:solidFill>
               </a:rPr>
-              <a:t> database that needs to be updated in special cases</a:t>
-            </a:r>
-            <a:r>
-              <a:rPr lang="en-US" sz="3100" dirty="0" smtClean="0">
-                <a:solidFill>
-                  <a:schemeClr val="accent6"/>
-                </a:solidFill>
-              </a:rPr>
-              <a:t>.</a:t>
+              <a:t> database that needs to be updated in special cases.</a:t>
             </a:r>
             <a:br>
               <a:rPr lang="en-US" sz="3100" dirty="0" smtClean="0">
@@ -6333,14 +6368,6 @@
                 </a:solidFill>
               </a:rPr>
               <a:t>’. </a:t>
-            </a:r>
-            <a:r>
-              <a:rPr lang="en-US" sz="3100" dirty="0" smtClean="0">
-                <a:solidFill>
-                  <a:schemeClr val="accent6"/>
-                </a:solidFill>
-              </a:rPr>
-              <a:t/>
             </a:r>
             <a:br>
               <a:rPr lang="en-US" sz="3100" dirty="0" smtClean="0">
@@ -6754,8 +6781,37 @@
                   <a:schemeClr val="bg1"/>
                 </a:solidFill>
               </a:rPr>
-              <a:t> | grep -i EXT</a:t>
-            </a:r>
+              <a:t> | grep -</a:t>
+            </a:r>
+            <a:r>
+              <a:rPr lang="en-US" err="1" smtClean="0">
+                <a:solidFill>
+                  <a:schemeClr val="bg1"/>
+                </a:solidFill>
+              </a:rPr>
+              <a:t>i</a:t>
+            </a:r>
+            <a:r>
+              <a:rPr lang="en-US" smtClean="0">
+                <a:solidFill>
+                  <a:schemeClr val="bg1"/>
+                </a:solidFill>
+              </a:rPr>
+              <a:t> </a:t>
+            </a:r>
+            <a:r>
+              <a:rPr lang="en-US" smtClean="0">
+                <a:solidFill>
+                  <a:schemeClr val="bg1"/>
+                </a:solidFill>
+              </a:rPr>
+              <a:t>Xfs</a:t>
+            </a:r>
+            <a:endParaRPr lang="en-US" dirty="0" smtClean="0">
+              <a:solidFill>
+                <a:schemeClr val="bg1"/>
+              </a:solidFill>
+            </a:endParaRPr>
           </a:p>
           <a:p>
             <a:pPr marL="0" indent="0">
